--- a/Prototypes/InteractiveAlpha.pptx
+++ b/Prototypes/InteractiveAlpha.pptx
@@ -4,8 +4,18 @@
   <p:sldMasterIdLst>
     <p:sldMasterId id="2147483684" r:id="rId1"/>
   </p:sldMasterIdLst>
+  <p:notesMasterIdLst>
+    <p:notesMasterId r:id="rId10"/>
+  </p:notesMasterIdLst>
   <p:sldIdLst>
     <p:sldId id="256" r:id="rId2"/>
+    <p:sldId id="257" r:id="rId3"/>
+    <p:sldId id="258" r:id="rId4"/>
+    <p:sldId id="262" r:id="rId5"/>
+    <p:sldId id="259" r:id="rId6"/>
+    <p:sldId id="260" r:id="rId7"/>
+    <p:sldId id="263" r:id="rId8"/>
+    <p:sldId id="261" r:id="rId9"/>
   </p:sldIdLst>
   <p:sldSz cx="9144000" cy="6858000" type="screen4x3"/>
   <p:notesSz cx="6858000" cy="9144000"/>
@@ -107,6 +117,356 @@
 </p:presentation>
 </file>
 
+<file path=ppt/notesMasters/notesMaster1.xml><?xml version="1.0" encoding="utf-8"?>
+<p:notesMaster xmlns:a="http://schemas.openxmlformats.org/drawingml/2006/main" xmlns:r="http://schemas.openxmlformats.org/officeDocument/2006/relationships" xmlns:p="http://schemas.openxmlformats.org/presentationml/2006/main">
+  <p:cSld>
+    <p:bg>
+      <p:bgRef idx="1001">
+        <a:schemeClr val="bg1"/>
+      </p:bgRef>
+    </p:bg>
+    <p:spTree>
+      <p:nvGrpSpPr>
+        <p:cNvPr id="1" name=""/>
+        <p:cNvGrpSpPr/>
+        <p:nvPr/>
+      </p:nvGrpSpPr>
+      <p:grpSpPr>
+        <a:xfrm>
+          <a:off x="0" y="0"/>
+          <a:ext cx="0" cy="0"/>
+          <a:chOff x="0" y="0"/>
+          <a:chExt cx="0" cy="0"/>
+        </a:xfrm>
+      </p:grpSpPr>
+      <p:sp>
+        <p:nvSpPr>
+          <p:cNvPr id="2" name="Header Placeholder 1"/>
+          <p:cNvSpPr>
+            <a:spLocks noGrp="1"/>
+          </p:cNvSpPr>
+          <p:nvPr>
+            <p:ph type="hdr" sz="quarter"/>
+          </p:nvPr>
+        </p:nvSpPr>
+        <p:spPr>
+          <a:xfrm>
+            <a:off x="0" y="0"/>
+            <a:ext cx="2971800" cy="457200"/>
+          </a:xfrm>
+          <a:prstGeom prst="rect">
+            <a:avLst/>
+          </a:prstGeom>
+        </p:spPr>
+        <p:txBody>
+          <a:bodyPr vert="horz" lIns="91440" tIns="45720" rIns="91440" bIns="45720" rtlCol="0"/>
+          <a:lstStyle>
+            <a:lvl1pPr algn="l">
+              <a:defRPr sz="1200"/>
+            </a:lvl1pPr>
+          </a:lstStyle>
+          <a:p>
+            <a:endParaRPr lang="en-US"/>
+          </a:p>
+        </p:txBody>
+      </p:sp>
+      <p:sp>
+        <p:nvSpPr>
+          <p:cNvPr id="3" name="Date Placeholder 2"/>
+          <p:cNvSpPr>
+            <a:spLocks noGrp="1"/>
+          </p:cNvSpPr>
+          <p:nvPr>
+            <p:ph type="dt" idx="1"/>
+          </p:nvPr>
+        </p:nvSpPr>
+        <p:spPr>
+          <a:xfrm>
+            <a:off x="3884613" y="0"/>
+            <a:ext cx="2971800" cy="457200"/>
+          </a:xfrm>
+          <a:prstGeom prst="rect">
+            <a:avLst/>
+          </a:prstGeom>
+        </p:spPr>
+        <p:txBody>
+          <a:bodyPr vert="horz" lIns="91440" tIns="45720" rIns="91440" bIns="45720" rtlCol="0"/>
+          <a:lstStyle>
+            <a:lvl1pPr algn="r">
+              <a:defRPr sz="1200"/>
+            </a:lvl1pPr>
+          </a:lstStyle>
+          <a:p>
+            <a:fld id="{C282901F-022B-4A73-B3AD-8B6BB8F2B8FC}" type="datetimeFigureOut">
+              <a:rPr lang="en-US" smtClean="0"/>
+              <a:t>11/3/2012</a:t>
+            </a:fld>
+            <a:endParaRPr lang="en-US"/>
+          </a:p>
+        </p:txBody>
+      </p:sp>
+      <p:sp>
+        <p:nvSpPr>
+          <p:cNvPr id="4" name="Slide Image Placeholder 3"/>
+          <p:cNvSpPr>
+            <a:spLocks noGrp="1" noRot="1" noChangeAspect="1"/>
+          </p:cNvSpPr>
+          <p:nvPr>
+            <p:ph type="sldImg" idx="2"/>
+          </p:nvPr>
+        </p:nvSpPr>
+        <p:spPr>
+          <a:xfrm>
+            <a:off x="1143000" y="685800"/>
+            <a:ext cx="4572000" cy="3429000"/>
+          </a:xfrm>
+          <a:prstGeom prst="rect">
+            <a:avLst/>
+          </a:prstGeom>
+          <a:noFill/>
+          <a:ln w="12700">
+            <a:solidFill>
+              <a:prstClr val="black"/>
+            </a:solidFill>
+          </a:ln>
+        </p:spPr>
+        <p:txBody>
+          <a:bodyPr vert="horz" lIns="91440" tIns="45720" rIns="91440" bIns="45720" rtlCol="0" anchor="ctr"/>
+          <a:lstStyle/>
+          <a:p>
+            <a:endParaRPr lang="en-US"/>
+          </a:p>
+        </p:txBody>
+      </p:sp>
+      <p:sp>
+        <p:nvSpPr>
+          <p:cNvPr id="5" name="Notes Placeholder 4"/>
+          <p:cNvSpPr>
+            <a:spLocks noGrp="1"/>
+          </p:cNvSpPr>
+          <p:nvPr>
+            <p:ph type="body" sz="quarter" idx="3"/>
+          </p:nvPr>
+        </p:nvSpPr>
+        <p:spPr>
+          <a:xfrm>
+            <a:off x="685800" y="4343400"/>
+            <a:ext cx="5486400" cy="4114800"/>
+          </a:xfrm>
+          <a:prstGeom prst="rect">
+            <a:avLst/>
+          </a:prstGeom>
+        </p:spPr>
+        <p:txBody>
+          <a:bodyPr vert="horz" lIns="91440" tIns="45720" rIns="91440" bIns="45720" rtlCol="0"/>
+          <a:lstStyle/>
+          <a:p>
+            <a:pPr lvl="0"/>
+            <a:r>
+              <a:rPr lang="en-US" smtClean="0"/>
+              <a:t>Click to edit Master text styles</a:t>
+            </a:r>
+          </a:p>
+          <a:p>
+            <a:pPr lvl="1"/>
+            <a:r>
+              <a:rPr lang="en-US" smtClean="0"/>
+              <a:t>Second level</a:t>
+            </a:r>
+          </a:p>
+          <a:p>
+            <a:pPr lvl="2"/>
+            <a:r>
+              <a:rPr lang="en-US" smtClean="0"/>
+              <a:t>Third level</a:t>
+            </a:r>
+          </a:p>
+          <a:p>
+            <a:pPr lvl="3"/>
+            <a:r>
+              <a:rPr lang="en-US" smtClean="0"/>
+              <a:t>Fourth level</a:t>
+            </a:r>
+          </a:p>
+          <a:p>
+            <a:pPr lvl="4"/>
+            <a:r>
+              <a:rPr lang="en-US" smtClean="0"/>
+              <a:t>Fifth level</a:t>
+            </a:r>
+            <a:endParaRPr lang="en-US"/>
+          </a:p>
+        </p:txBody>
+      </p:sp>
+      <p:sp>
+        <p:nvSpPr>
+          <p:cNvPr id="6" name="Footer Placeholder 5"/>
+          <p:cNvSpPr>
+            <a:spLocks noGrp="1"/>
+          </p:cNvSpPr>
+          <p:nvPr>
+            <p:ph type="ftr" sz="quarter" idx="4"/>
+          </p:nvPr>
+        </p:nvSpPr>
+        <p:spPr>
+          <a:xfrm>
+            <a:off x="0" y="8685213"/>
+            <a:ext cx="2971800" cy="457200"/>
+          </a:xfrm>
+          <a:prstGeom prst="rect">
+            <a:avLst/>
+          </a:prstGeom>
+        </p:spPr>
+        <p:txBody>
+          <a:bodyPr vert="horz" lIns="91440" tIns="45720" rIns="91440" bIns="45720" rtlCol="0" anchor="b"/>
+          <a:lstStyle>
+            <a:lvl1pPr algn="l">
+              <a:defRPr sz="1200"/>
+            </a:lvl1pPr>
+          </a:lstStyle>
+          <a:p>
+            <a:endParaRPr lang="en-US"/>
+          </a:p>
+        </p:txBody>
+      </p:sp>
+      <p:sp>
+        <p:nvSpPr>
+          <p:cNvPr id="7" name="Slide Number Placeholder 6"/>
+          <p:cNvSpPr>
+            <a:spLocks noGrp="1"/>
+          </p:cNvSpPr>
+          <p:nvPr>
+            <p:ph type="sldNum" sz="quarter" idx="5"/>
+          </p:nvPr>
+        </p:nvSpPr>
+        <p:spPr>
+          <a:xfrm>
+            <a:off x="3884613" y="8685213"/>
+            <a:ext cx="2971800" cy="457200"/>
+          </a:xfrm>
+          <a:prstGeom prst="rect">
+            <a:avLst/>
+          </a:prstGeom>
+        </p:spPr>
+        <p:txBody>
+          <a:bodyPr vert="horz" lIns="91440" tIns="45720" rIns="91440" bIns="45720" rtlCol="0" anchor="b"/>
+          <a:lstStyle>
+            <a:lvl1pPr algn="r">
+              <a:defRPr sz="1200"/>
+            </a:lvl1pPr>
+          </a:lstStyle>
+          <a:p>
+            <a:fld id="{5EB2319E-7B95-4DD0-8418-F8334FEC1BF1}" type="slidenum">
+              <a:rPr lang="en-US" smtClean="0"/>
+              <a:t>‹#›</a:t>
+            </a:fld>
+            <a:endParaRPr lang="en-US"/>
+          </a:p>
+        </p:txBody>
+      </p:sp>
+    </p:spTree>
+    <p:extLst>
+      <p:ext uri="{BB962C8B-B14F-4D97-AF65-F5344CB8AC3E}">
+        <p14:creationId xmlns:p14="http://schemas.microsoft.com/office/powerpoint/2010/main" val="1601545955"/>
+      </p:ext>
+    </p:extLst>
+  </p:cSld>
+  <p:clrMap bg1="lt1" tx1="dk1" bg2="lt2" tx2="dk2" accent1="accent1" accent2="accent2" accent3="accent3" accent4="accent4" accent5="accent5" accent6="accent6" hlink="hlink" folHlink="folHlink"/>
+  <p:notesStyle>
+    <a:lvl1pPr marL="0" algn="l" defTabSz="914400" rtl="0" eaLnBrk="1" latinLnBrk="0" hangingPunct="1">
+      <a:defRPr sz="1200" kern="1200">
+        <a:solidFill>
+          <a:schemeClr val="tx1"/>
+        </a:solidFill>
+        <a:latin typeface="+mn-lt"/>
+        <a:ea typeface="+mn-ea"/>
+        <a:cs typeface="+mn-cs"/>
+      </a:defRPr>
+    </a:lvl1pPr>
+    <a:lvl2pPr marL="457200" algn="l" defTabSz="914400" rtl="0" eaLnBrk="1" latinLnBrk="0" hangingPunct="1">
+      <a:defRPr sz="1200" kern="1200">
+        <a:solidFill>
+          <a:schemeClr val="tx1"/>
+        </a:solidFill>
+        <a:latin typeface="+mn-lt"/>
+        <a:ea typeface="+mn-ea"/>
+        <a:cs typeface="+mn-cs"/>
+      </a:defRPr>
+    </a:lvl2pPr>
+    <a:lvl3pPr marL="914400" algn="l" defTabSz="914400" rtl="0" eaLnBrk="1" latinLnBrk="0" hangingPunct="1">
+      <a:defRPr sz="1200" kern="1200">
+        <a:solidFill>
+          <a:schemeClr val="tx1"/>
+        </a:solidFill>
+        <a:latin typeface="+mn-lt"/>
+        <a:ea typeface="+mn-ea"/>
+        <a:cs typeface="+mn-cs"/>
+      </a:defRPr>
+    </a:lvl3pPr>
+    <a:lvl4pPr marL="1371600" algn="l" defTabSz="914400" rtl="0" eaLnBrk="1" latinLnBrk="0" hangingPunct="1">
+      <a:defRPr sz="1200" kern="1200">
+        <a:solidFill>
+          <a:schemeClr val="tx1"/>
+        </a:solidFill>
+        <a:latin typeface="+mn-lt"/>
+        <a:ea typeface="+mn-ea"/>
+        <a:cs typeface="+mn-cs"/>
+      </a:defRPr>
+    </a:lvl4pPr>
+    <a:lvl5pPr marL="1828800" algn="l" defTabSz="914400" rtl="0" eaLnBrk="1" latinLnBrk="0" hangingPunct="1">
+      <a:defRPr sz="1200" kern="1200">
+        <a:solidFill>
+          <a:schemeClr val="tx1"/>
+        </a:solidFill>
+        <a:latin typeface="+mn-lt"/>
+        <a:ea typeface="+mn-ea"/>
+        <a:cs typeface="+mn-cs"/>
+      </a:defRPr>
+    </a:lvl5pPr>
+    <a:lvl6pPr marL="2286000" algn="l" defTabSz="914400" rtl="0" eaLnBrk="1" latinLnBrk="0" hangingPunct="1">
+      <a:defRPr sz="1200" kern="1200">
+        <a:solidFill>
+          <a:schemeClr val="tx1"/>
+        </a:solidFill>
+        <a:latin typeface="+mn-lt"/>
+        <a:ea typeface="+mn-ea"/>
+        <a:cs typeface="+mn-cs"/>
+      </a:defRPr>
+    </a:lvl6pPr>
+    <a:lvl7pPr marL="2743200" algn="l" defTabSz="914400" rtl="0" eaLnBrk="1" latinLnBrk="0" hangingPunct="1">
+      <a:defRPr sz="1200" kern="1200">
+        <a:solidFill>
+          <a:schemeClr val="tx1"/>
+        </a:solidFill>
+        <a:latin typeface="+mn-lt"/>
+        <a:ea typeface="+mn-ea"/>
+        <a:cs typeface="+mn-cs"/>
+      </a:defRPr>
+    </a:lvl7pPr>
+    <a:lvl8pPr marL="3200400" algn="l" defTabSz="914400" rtl="0" eaLnBrk="1" latinLnBrk="0" hangingPunct="1">
+      <a:defRPr sz="1200" kern="1200">
+        <a:solidFill>
+          <a:schemeClr val="tx1"/>
+        </a:solidFill>
+        <a:latin typeface="+mn-lt"/>
+        <a:ea typeface="+mn-ea"/>
+        <a:cs typeface="+mn-cs"/>
+      </a:defRPr>
+    </a:lvl8pPr>
+    <a:lvl9pPr marL="3657600" algn="l" defTabSz="914400" rtl="0" eaLnBrk="1" latinLnBrk="0" hangingPunct="1">
+      <a:defRPr sz="1200" kern="1200">
+        <a:solidFill>
+          <a:schemeClr val="tx1"/>
+        </a:solidFill>
+        <a:latin typeface="+mn-lt"/>
+        <a:ea typeface="+mn-ea"/>
+        <a:cs typeface="+mn-cs"/>
+      </a:defRPr>
+    </a:lvl9pPr>
+  </p:notesStyle>
+</p:notesMaster>
+</file>
+
 <file path=ppt/slideLayouts/slideLayout1.xml><?xml version="1.0" encoding="utf-8"?>
 <p:sldLayout xmlns:a="http://schemas.openxmlformats.org/drawingml/2006/main" xmlns:r="http://schemas.openxmlformats.org/officeDocument/2006/relationships" xmlns:p="http://schemas.openxmlformats.org/presentationml/2006/main" showMasterSp="0" type="title" preserve="1">
   <p:cSld name="Title Slide">
@@ -141,7 +501,7 @@
           <a:p>
             <a:fld id="{8870E209-FAE8-4C0F-A083-A3AC207BED93}" type="datetimeFigureOut">
               <a:rPr lang="en-US" smtClean="0"/>
-              <a:t>10/19/2012</a:t>
+              <a:t>11/3/2012</a:t>
             </a:fld>
             <a:endParaRPr lang="en-US"/>
           </a:p>
@@ -494,7 +854,7 @@
           <a:p>
             <a:fld id="{8870E209-FAE8-4C0F-A083-A3AC207BED93}" type="datetimeFigureOut">
               <a:rPr lang="en-US" smtClean="0"/>
-              <a:t>10/19/2012</a:t>
+              <a:t>11/3/2012</a:t>
             </a:fld>
             <a:endParaRPr lang="en-US"/>
           </a:p>
@@ -676,7 +1036,7 @@
           <a:p>
             <a:fld id="{8870E209-FAE8-4C0F-A083-A3AC207BED93}" type="datetimeFigureOut">
               <a:rPr lang="en-US" smtClean="0"/>
-              <a:t>10/19/2012</a:t>
+              <a:t>11/3/2012</a:t>
             </a:fld>
             <a:endParaRPr lang="en-US"/>
           </a:p>
@@ -801,7 +1161,7 @@
           <a:p>
             <a:fld id="{8870E209-FAE8-4C0F-A083-A3AC207BED93}" type="datetimeFigureOut">
               <a:rPr lang="en-US" smtClean="0"/>
-              <a:t>10/19/2012</a:t>
+              <a:t>11/3/2012</a:t>
             </a:fld>
             <a:endParaRPr lang="en-US"/>
           </a:p>
@@ -1106,7 +1466,7 @@
           <a:p>
             <a:fld id="{8870E209-FAE8-4C0F-A083-A3AC207BED93}" type="datetimeFigureOut">
               <a:rPr lang="en-US" smtClean="0"/>
-              <a:t>10/19/2012</a:t>
+              <a:t>11/3/2012</a:t>
             </a:fld>
             <a:endParaRPr lang="en-US"/>
           </a:p>
@@ -1436,7 +1796,7 @@
           <a:p>
             <a:fld id="{8870E209-FAE8-4C0F-A083-A3AC207BED93}" type="datetimeFigureOut">
               <a:rPr lang="en-US" smtClean="0"/>
-              <a:t>10/19/2012</a:t>
+              <a:t>11/3/2012</a:t>
             </a:fld>
             <a:endParaRPr lang="en-US"/>
           </a:p>
@@ -1871,7 +2231,7 @@
           <a:p>
             <a:fld id="{8870E209-FAE8-4C0F-A083-A3AC207BED93}" type="datetimeFigureOut">
               <a:rPr lang="en-US" smtClean="0"/>
-              <a:t>10/19/2012</a:t>
+              <a:t>11/3/2012</a:t>
             </a:fld>
             <a:endParaRPr lang="en-US"/>
           </a:p>
@@ -1996,7 +2356,7 @@
           <a:p>
             <a:fld id="{8870E209-FAE8-4C0F-A083-A3AC207BED93}" type="datetimeFigureOut">
               <a:rPr lang="en-US" smtClean="0"/>
-              <a:t>10/19/2012</a:t>
+              <a:t>11/3/2012</a:t>
             </a:fld>
             <a:endParaRPr lang="en-US"/>
           </a:p>
@@ -2093,7 +2453,7 @@
           <a:p>
             <a:fld id="{8870E209-FAE8-4C0F-A083-A3AC207BED93}" type="datetimeFigureOut">
               <a:rPr lang="en-US" smtClean="0"/>
-              <a:t>10/19/2012</a:t>
+              <a:t>11/3/2012</a:t>
             </a:fld>
             <a:endParaRPr lang="en-US"/>
           </a:p>
@@ -2350,7 +2710,7 @@
           <a:p>
             <a:fld id="{8870E209-FAE8-4C0F-A083-A3AC207BED93}" type="datetimeFigureOut">
               <a:rPr lang="en-US" smtClean="0"/>
-              <a:t>10/19/2012</a:t>
+              <a:t>11/3/2012</a:t>
             </a:fld>
             <a:endParaRPr lang="en-US"/>
           </a:p>
@@ -2873,7 +3233,7 @@
           <a:p>
             <a:fld id="{8870E209-FAE8-4C0F-A083-A3AC207BED93}" type="datetimeFigureOut">
               <a:rPr lang="en-US" smtClean="0"/>
-              <a:t>10/19/2012</a:t>
+              <a:t>11/3/2012</a:t>
             </a:fld>
             <a:endParaRPr lang="en-US"/>
           </a:p>
@@ -3116,7 +3476,7 @@
           <a:p>
             <a:fld id="{8870E209-FAE8-4C0F-A083-A3AC207BED93}" type="datetimeFigureOut">
               <a:rPr lang="en-US" smtClean="0"/>
-              <a:t>10/19/2012</a:t>
+              <a:t>11/3/2012</a:t>
             </a:fld>
             <a:endParaRPr lang="en-US"/>
           </a:p>
@@ -3656,6 +4016,174 @@
           <a:chExt cx="0" cy="0"/>
         </a:xfrm>
       </p:grpSpPr>
+      <p:sp>
+        <p:nvSpPr>
+          <p:cNvPr id="4" name="Rectangle 3"/>
+          <p:cNvSpPr/>
+          <p:nvPr/>
+        </p:nvSpPr>
+        <p:spPr>
+          <a:xfrm>
+            <a:off x="3124200" y="1447800"/>
+            <a:ext cx="2895600" cy="381000"/>
+          </a:xfrm>
+          <a:prstGeom prst="rect">
+            <a:avLst/>
+          </a:prstGeom>
+        </p:spPr>
+        <p:style>
+          <a:lnRef idx="2">
+            <a:schemeClr val="accent1">
+              <a:shade val="50000"/>
+            </a:schemeClr>
+          </a:lnRef>
+          <a:fillRef idx="1">
+            <a:schemeClr val="accent1"/>
+          </a:fillRef>
+          <a:effectRef idx="0">
+            <a:schemeClr val="accent1"/>
+          </a:effectRef>
+          <a:fontRef idx="minor">
+            <a:schemeClr val="lt1"/>
+          </a:fontRef>
+        </p:style>
+        <p:txBody>
+          <a:bodyPr rtlCol="0" anchor="ctr"/>
+          <a:lstStyle/>
+          <a:p>
+            <a:pPr algn="ctr"/>
+            <a:r>
+              <a:rPr lang="en-US" dirty="0" smtClean="0"/>
+              <a:t>Business</a:t>
+            </a:r>
+            <a:endParaRPr lang="en-US" dirty="0"/>
+          </a:p>
+        </p:txBody>
+      </p:sp>
+      <p:pic>
+        <p:nvPicPr>
+          <p:cNvPr id="2" name="Picture 1">
+            <a:hlinkClick r:id="rId2" action="ppaction://hlinksldjump"/>
+          </p:cNvPr>
+          <p:cNvPicPr>
+            <a:picLocks noChangeAspect="1"/>
+          </p:cNvPicPr>
+          <p:nvPr/>
+        </p:nvPicPr>
+        <p:blipFill>
+          <a:blip r:embed="rId3">
+            <a:extLst>
+              <a:ext uri="{28A0092B-C50C-407E-A947-70E740481C1C}">
+                <a14:useLocalDpi xmlns:a14="http://schemas.microsoft.com/office/drawing/2010/main" val="0"/>
+              </a:ext>
+            </a:extLst>
+          </a:blip>
+          <a:stretch>
+            <a:fillRect/>
+          </a:stretch>
+        </p:blipFill>
+        <p:spPr>
+          <a:xfrm>
+            <a:off x="3124200" y="1447801"/>
+            <a:ext cx="533400" cy="381000"/>
+          </a:xfrm>
+          <a:prstGeom prst="rect">
+            <a:avLst/>
+          </a:prstGeom>
+        </p:spPr>
+      </p:pic>
+      <p:pic>
+        <p:nvPicPr>
+          <p:cNvPr id="3" name="Picture 2"/>
+          <p:cNvPicPr>
+            <a:picLocks noChangeAspect="1"/>
+          </p:cNvPicPr>
+          <p:nvPr/>
+        </p:nvPicPr>
+        <p:blipFill>
+          <a:blip r:embed="rId4">
+            <a:extLst>
+              <a:ext uri="{28A0092B-C50C-407E-A947-70E740481C1C}">
+                <a14:useLocalDpi xmlns:a14="http://schemas.microsoft.com/office/drawing/2010/main" val="0"/>
+              </a:ext>
+            </a:extLst>
+          </a:blip>
+          <a:stretch>
+            <a:fillRect/>
+          </a:stretch>
+        </p:blipFill>
+        <p:spPr>
+          <a:xfrm>
+            <a:off x="3124200" y="1864582"/>
+            <a:ext cx="2895600" cy="612531"/>
+          </a:xfrm>
+          <a:prstGeom prst="rect">
+            <a:avLst/>
+          </a:prstGeom>
+        </p:spPr>
+      </p:pic>
+      <p:pic>
+        <p:nvPicPr>
+          <p:cNvPr id="6" name="Picture 5"/>
+          <p:cNvPicPr>
+            <a:picLocks noChangeAspect="1"/>
+          </p:cNvPicPr>
+          <p:nvPr/>
+        </p:nvPicPr>
+        <p:blipFill>
+          <a:blip r:embed="rId5">
+            <a:extLst>
+              <a:ext uri="{28A0092B-C50C-407E-A947-70E740481C1C}">
+                <a14:useLocalDpi xmlns:a14="http://schemas.microsoft.com/office/drawing/2010/main" val="0"/>
+              </a:ext>
+            </a:extLst>
+          </a:blip>
+          <a:stretch>
+            <a:fillRect/>
+          </a:stretch>
+        </p:blipFill>
+        <p:spPr>
+          <a:xfrm>
+            <a:off x="3124201" y="2511669"/>
+            <a:ext cx="2895600" cy="612531"/>
+          </a:xfrm>
+          <a:prstGeom prst="rect">
+            <a:avLst/>
+          </a:prstGeom>
+        </p:spPr>
+      </p:pic>
+      <p:pic>
+        <p:nvPicPr>
+          <p:cNvPr id="7" name="Picture 6">
+            <a:hlinkClick r:id="rId6" action="ppaction://hlinksldjump"/>
+          </p:cNvPr>
+          <p:cNvPicPr>
+            <a:picLocks noChangeAspect="1"/>
+          </p:cNvPicPr>
+          <p:nvPr/>
+        </p:nvPicPr>
+        <p:blipFill>
+          <a:blip r:embed="rId7">
+            <a:extLst>
+              <a:ext uri="{28A0092B-C50C-407E-A947-70E740481C1C}">
+                <a14:useLocalDpi xmlns:a14="http://schemas.microsoft.com/office/drawing/2010/main" val="0"/>
+              </a:ext>
+            </a:extLst>
+          </a:blip>
+          <a:stretch>
+            <a:fillRect/>
+          </a:stretch>
+        </p:blipFill>
+        <p:spPr>
+          <a:xfrm>
+            <a:off x="5435198" y="1447801"/>
+            <a:ext cx="571530" cy="381021"/>
+          </a:xfrm>
+          <a:prstGeom prst="rect">
+            <a:avLst/>
+          </a:prstGeom>
+        </p:spPr>
+      </p:pic>
     </p:spTree>
     <p:extLst>
       <p:ext uri="{BB962C8B-B14F-4D97-AF65-F5344CB8AC3E}">
@@ -3666,6 +4194,3782 @@
   <p:clrMapOvr>
     <a:masterClrMapping/>
   </p:clrMapOvr>
+  <mc:AlternateContent xmlns:mc="http://schemas.openxmlformats.org/markup-compatibility/2006" xmlns:p14="http://schemas.microsoft.com/office/powerpoint/2010/main">
+    <mc:Choice Requires="p14">
+      <p:transition spd="slow" p14:dur="2000" advClick="0"/>
+    </mc:Choice>
+    <mc:Fallback xmlns="">
+      <p:transition spd="slow" advClick="0"/>
+    </mc:Fallback>
+  </mc:AlternateContent>
+  <p:timing>
+    <p:tnLst>
+      <p:par>
+        <p:cTn id="1" dur="indefinite" restart="never" nodeType="tmRoot"/>
+      </p:par>
+    </p:tnLst>
+  </p:timing>
+</p:sld>
+</file>
+
+<file path=ppt/slides/slide2.xml><?xml version="1.0" encoding="utf-8"?>
+<p:sld xmlns:a="http://schemas.openxmlformats.org/drawingml/2006/main" xmlns:r="http://schemas.openxmlformats.org/officeDocument/2006/relationships" xmlns:p="http://schemas.openxmlformats.org/presentationml/2006/main">
+  <p:cSld>
+    <p:spTree>
+      <p:nvGrpSpPr>
+        <p:cNvPr id="1" name=""/>
+        <p:cNvGrpSpPr/>
+        <p:nvPr/>
+      </p:nvGrpSpPr>
+      <p:grpSpPr>
+        <a:xfrm>
+          <a:off x="0" y="0"/>
+          <a:ext cx="0" cy="0"/>
+          <a:chOff x="0" y="0"/>
+          <a:chExt cx="0" cy="0"/>
+        </a:xfrm>
+      </p:grpSpPr>
+      <p:sp>
+        <p:nvSpPr>
+          <p:cNvPr id="13" name="Freeform 12">
+            <a:hlinkClick r:id="rId2" action="ppaction://hlinksldjump"/>
+          </p:cNvPr>
+          <p:cNvSpPr/>
+          <p:nvPr/>
+        </p:nvSpPr>
+        <p:spPr>
+          <a:xfrm>
+            <a:off x="3079201" y="1413768"/>
+            <a:ext cx="2985597" cy="4349468"/>
+          </a:xfrm>
+          <a:custGeom>
+            <a:avLst/>
+            <a:gdLst>
+              <a:gd name="connsiteX0" fmla="*/ 576351 w 2985597"/>
+              <a:gd name="connsiteY0" fmla="*/ 399129 h 4349468"/>
+              <a:gd name="connsiteX1" fmla="*/ 576351 w 2985597"/>
+              <a:gd name="connsiteY1" fmla="*/ 399129 h 4349468"/>
+              <a:gd name="connsiteX2" fmla="*/ 1753144 w 2985597"/>
+              <a:gd name="connsiteY2" fmla="*/ 422983 h 4349468"/>
+              <a:gd name="connsiteX3" fmla="*/ 1784950 w 2985597"/>
+              <a:gd name="connsiteY3" fmla="*/ 454789 h 4349468"/>
+              <a:gd name="connsiteX4" fmla="*/ 1808803 w 2985597"/>
+              <a:gd name="connsiteY4" fmla="*/ 494545 h 4349468"/>
+              <a:gd name="connsiteX5" fmla="*/ 1848560 w 2985597"/>
+              <a:gd name="connsiteY5" fmla="*/ 486594 h 4349468"/>
+              <a:gd name="connsiteX6" fmla="*/ 1896268 w 2985597"/>
+              <a:gd name="connsiteY6" fmla="*/ 454789 h 4349468"/>
+              <a:gd name="connsiteX7" fmla="*/ 1951927 w 2985597"/>
+              <a:gd name="connsiteY7" fmla="*/ 438886 h 4349468"/>
+              <a:gd name="connsiteX8" fmla="*/ 1943976 w 2985597"/>
+              <a:gd name="connsiteY8" fmla="*/ 1400994 h 4349468"/>
+              <a:gd name="connsiteX9" fmla="*/ 1959878 w 2985597"/>
+              <a:gd name="connsiteY9" fmla="*/ 1448702 h 4349468"/>
+              <a:gd name="connsiteX10" fmla="*/ 1967830 w 2985597"/>
+              <a:gd name="connsiteY10" fmla="*/ 1520263 h 4349468"/>
+              <a:gd name="connsiteX11" fmla="*/ 1983732 w 2985597"/>
+              <a:gd name="connsiteY11" fmla="*/ 1544117 h 4349468"/>
+              <a:gd name="connsiteX12" fmla="*/ 2015537 w 2985597"/>
+              <a:gd name="connsiteY12" fmla="*/ 1655435 h 4349468"/>
+              <a:gd name="connsiteX13" fmla="*/ 2039391 w 2985597"/>
+              <a:gd name="connsiteY13" fmla="*/ 1798559 h 4349468"/>
+              <a:gd name="connsiteX14" fmla="*/ 2055294 w 2985597"/>
+              <a:gd name="connsiteY14" fmla="*/ 1909877 h 4349468"/>
+              <a:gd name="connsiteX15" fmla="*/ 2063245 w 2985597"/>
+              <a:gd name="connsiteY15" fmla="*/ 3070768 h 4349468"/>
+              <a:gd name="connsiteX16" fmla="*/ 2055294 w 2985597"/>
+              <a:gd name="connsiteY16" fmla="*/ 3126427 h 4349468"/>
+              <a:gd name="connsiteX17" fmla="*/ 2015537 w 2985597"/>
+              <a:gd name="connsiteY17" fmla="*/ 3197989 h 4349468"/>
+              <a:gd name="connsiteX18" fmla="*/ 1991683 w 2985597"/>
+              <a:gd name="connsiteY18" fmla="*/ 3205940 h 4349468"/>
+              <a:gd name="connsiteX19" fmla="*/ 1967830 w 2985597"/>
+              <a:gd name="connsiteY19" fmla="*/ 3221842 h 4349468"/>
+              <a:gd name="connsiteX20" fmla="*/ 1943976 w 2985597"/>
+              <a:gd name="connsiteY20" fmla="*/ 3229794 h 4349468"/>
+              <a:gd name="connsiteX21" fmla="*/ 1872414 w 2985597"/>
+              <a:gd name="connsiteY21" fmla="*/ 3245696 h 4349468"/>
+              <a:gd name="connsiteX22" fmla="*/ 1466897 w 2985597"/>
+              <a:gd name="connsiteY22" fmla="*/ 3237745 h 4349468"/>
+              <a:gd name="connsiteX23" fmla="*/ 1395336 w 2985597"/>
+              <a:gd name="connsiteY23" fmla="*/ 3221842 h 4349468"/>
+              <a:gd name="connsiteX24" fmla="*/ 1284017 w 2985597"/>
+              <a:gd name="connsiteY24" fmla="*/ 3213891 h 4349468"/>
+              <a:gd name="connsiteX25" fmla="*/ 592254 w 2985597"/>
+              <a:gd name="connsiteY25" fmla="*/ 3213891 h 4349468"/>
+              <a:gd name="connsiteX26" fmla="*/ 512741 w 2985597"/>
+              <a:gd name="connsiteY26" fmla="*/ 3182086 h 4349468"/>
+              <a:gd name="connsiteX27" fmla="*/ 51565 w 2985597"/>
+              <a:gd name="connsiteY27" fmla="*/ 3190037 h 4349468"/>
+              <a:gd name="connsiteX28" fmla="*/ 35663 w 2985597"/>
+              <a:gd name="connsiteY28" fmla="*/ 3221842 h 4349468"/>
+              <a:gd name="connsiteX29" fmla="*/ 11809 w 2985597"/>
+              <a:gd name="connsiteY29" fmla="*/ 3269550 h 4349468"/>
+              <a:gd name="connsiteX30" fmla="*/ 19760 w 2985597"/>
+              <a:gd name="connsiteY30" fmla="*/ 3555797 h 4349468"/>
+              <a:gd name="connsiteX31" fmla="*/ 67468 w 2985597"/>
+              <a:gd name="connsiteY31" fmla="*/ 3826142 h 4349468"/>
+              <a:gd name="connsiteX32" fmla="*/ 91322 w 2985597"/>
+              <a:gd name="connsiteY32" fmla="*/ 3913606 h 4349468"/>
+              <a:gd name="connsiteX33" fmla="*/ 115176 w 2985597"/>
+              <a:gd name="connsiteY33" fmla="*/ 3961314 h 4349468"/>
+              <a:gd name="connsiteX34" fmla="*/ 146981 w 2985597"/>
+              <a:gd name="connsiteY34" fmla="*/ 4048778 h 4349468"/>
+              <a:gd name="connsiteX35" fmla="*/ 162883 w 2985597"/>
+              <a:gd name="connsiteY35" fmla="*/ 4152145 h 4349468"/>
+              <a:gd name="connsiteX36" fmla="*/ 1069332 w 2985597"/>
+              <a:gd name="connsiteY36" fmla="*/ 4239609 h 4349468"/>
+              <a:gd name="connsiteX37" fmla="*/ 2174563 w 2985597"/>
+              <a:gd name="connsiteY37" fmla="*/ 4271415 h 4349468"/>
+              <a:gd name="connsiteX38" fmla="*/ 2325638 w 2985597"/>
+              <a:gd name="connsiteY38" fmla="*/ 4303220 h 4349468"/>
+              <a:gd name="connsiteX39" fmla="*/ 2484664 w 2985597"/>
+              <a:gd name="connsiteY39" fmla="*/ 4295269 h 4349468"/>
+              <a:gd name="connsiteX40" fmla="*/ 2532372 w 2985597"/>
+              <a:gd name="connsiteY40" fmla="*/ 4263463 h 4349468"/>
+              <a:gd name="connsiteX41" fmla="*/ 2635739 w 2985597"/>
+              <a:gd name="connsiteY41" fmla="*/ 4247561 h 4349468"/>
+              <a:gd name="connsiteX42" fmla="*/ 2707301 w 2985597"/>
+              <a:gd name="connsiteY42" fmla="*/ 4215755 h 4349468"/>
+              <a:gd name="connsiteX43" fmla="*/ 2842473 w 2985597"/>
+              <a:gd name="connsiteY43" fmla="*/ 4191902 h 4349468"/>
+              <a:gd name="connsiteX44" fmla="*/ 2866327 w 2985597"/>
+              <a:gd name="connsiteY44" fmla="*/ 3937460 h 4349468"/>
+              <a:gd name="connsiteX45" fmla="*/ 2906083 w 2985597"/>
+              <a:gd name="connsiteY45" fmla="*/ 2434663 h 4349468"/>
+              <a:gd name="connsiteX46" fmla="*/ 2985597 w 2985597"/>
+              <a:gd name="connsiteY46" fmla="*/ 2339248 h 4349468"/>
+              <a:gd name="connsiteX47" fmla="*/ 2977645 w 2985597"/>
+              <a:gd name="connsiteY47" fmla="*/ 2283589 h 4349468"/>
+              <a:gd name="connsiteX48" fmla="*/ 2961743 w 2985597"/>
+              <a:gd name="connsiteY48" fmla="*/ 2235881 h 4349468"/>
+              <a:gd name="connsiteX49" fmla="*/ 2953791 w 2985597"/>
+              <a:gd name="connsiteY49" fmla="*/ 2204075 h 4349468"/>
+              <a:gd name="connsiteX50" fmla="*/ 2921986 w 2985597"/>
+              <a:gd name="connsiteY50" fmla="*/ 2116611 h 4349468"/>
+              <a:gd name="connsiteX51" fmla="*/ 2890181 w 2985597"/>
+              <a:gd name="connsiteY51" fmla="*/ 1965536 h 4349468"/>
+              <a:gd name="connsiteX52" fmla="*/ 2874278 w 2985597"/>
+              <a:gd name="connsiteY52" fmla="*/ 1901926 h 4349468"/>
+              <a:gd name="connsiteX53" fmla="*/ 2842473 w 2985597"/>
+              <a:gd name="connsiteY53" fmla="*/ 1695192 h 4349468"/>
+              <a:gd name="connsiteX54" fmla="*/ 2850424 w 2985597"/>
+              <a:gd name="connsiteY54" fmla="*/ 1281724 h 4349468"/>
+              <a:gd name="connsiteX55" fmla="*/ 2858376 w 2985597"/>
+              <a:gd name="connsiteY55" fmla="*/ 1218114 h 4349468"/>
+              <a:gd name="connsiteX56" fmla="*/ 2890181 w 2985597"/>
+              <a:gd name="connsiteY56" fmla="*/ 1130649 h 4349468"/>
+              <a:gd name="connsiteX57" fmla="*/ 2874278 w 2985597"/>
+              <a:gd name="connsiteY57" fmla="*/ 963672 h 4349468"/>
+              <a:gd name="connsiteX58" fmla="*/ 2858376 w 2985597"/>
+              <a:gd name="connsiteY58" fmla="*/ 923915 h 4349468"/>
+              <a:gd name="connsiteX59" fmla="*/ 2444908 w 2985597"/>
+              <a:gd name="connsiteY59" fmla="*/ 399129 h 4349468"/>
+              <a:gd name="connsiteX60" fmla="*/ 2317687 w 2985597"/>
+              <a:gd name="connsiteY60" fmla="*/ 391178 h 4349468"/>
+              <a:gd name="connsiteX61" fmla="*/ 2333590 w 2985597"/>
+              <a:gd name="connsiteY61" fmla="*/ 104931 h 4349468"/>
+              <a:gd name="connsiteX62" fmla="*/ 2325638 w 2985597"/>
+              <a:gd name="connsiteY62" fmla="*/ 9515 h 4349468"/>
+              <a:gd name="connsiteX63" fmla="*/ 2174563 w 2985597"/>
+              <a:gd name="connsiteY63" fmla="*/ 17467 h 4349468"/>
+              <a:gd name="connsiteX64" fmla="*/ 1633875 w 2985597"/>
+              <a:gd name="connsiteY64" fmla="*/ 41321 h 4349468"/>
+              <a:gd name="connsiteX65" fmla="*/ 1093186 w 2985597"/>
+              <a:gd name="connsiteY65" fmla="*/ 33369 h 4349468"/>
+              <a:gd name="connsiteX66" fmla="*/ 1045478 w 2985597"/>
+              <a:gd name="connsiteY66" fmla="*/ 41321 h 4349468"/>
+              <a:gd name="connsiteX67" fmla="*/ 751280 w 2985597"/>
+              <a:gd name="connsiteY67" fmla="*/ 25418 h 4349468"/>
+              <a:gd name="connsiteX68" fmla="*/ 655864 w 2985597"/>
+              <a:gd name="connsiteY68" fmla="*/ 41321 h 4349468"/>
+              <a:gd name="connsiteX69" fmla="*/ 632010 w 2985597"/>
+              <a:gd name="connsiteY69" fmla="*/ 65175 h 4349468"/>
+              <a:gd name="connsiteX70" fmla="*/ 608157 w 2985597"/>
+              <a:gd name="connsiteY70" fmla="*/ 73126 h 4349468"/>
+              <a:gd name="connsiteX71" fmla="*/ 576351 w 2985597"/>
+              <a:gd name="connsiteY71" fmla="*/ 399129 h 4349468"/>
+            </a:gdLst>
+            <a:ahLst/>
+            <a:cxnLst>
+              <a:cxn ang="0">
+                <a:pos x="connsiteX0" y="connsiteY0"/>
+              </a:cxn>
+              <a:cxn ang="0">
+                <a:pos x="connsiteX1" y="connsiteY1"/>
+              </a:cxn>
+              <a:cxn ang="0">
+                <a:pos x="connsiteX2" y="connsiteY2"/>
+              </a:cxn>
+              <a:cxn ang="0">
+                <a:pos x="connsiteX3" y="connsiteY3"/>
+              </a:cxn>
+              <a:cxn ang="0">
+                <a:pos x="connsiteX4" y="connsiteY4"/>
+              </a:cxn>
+              <a:cxn ang="0">
+                <a:pos x="connsiteX5" y="connsiteY5"/>
+              </a:cxn>
+              <a:cxn ang="0">
+                <a:pos x="connsiteX6" y="connsiteY6"/>
+              </a:cxn>
+              <a:cxn ang="0">
+                <a:pos x="connsiteX7" y="connsiteY7"/>
+              </a:cxn>
+              <a:cxn ang="0">
+                <a:pos x="connsiteX8" y="connsiteY8"/>
+              </a:cxn>
+              <a:cxn ang="0">
+                <a:pos x="connsiteX9" y="connsiteY9"/>
+              </a:cxn>
+              <a:cxn ang="0">
+                <a:pos x="connsiteX10" y="connsiteY10"/>
+              </a:cxn>
+              <a:cxn ang="0">
+                <a:pos x="connsiteX11" y="connsiteY11"/>
+              </a:cxn>
+              <a:cxn ang="0">
+                <a:pos x="connsiteX12" y="connsiteY12"/>
+              </a:cxn>
+              <a:cxn ang="0">
+                <a:pos x="connsiteX13" y="connsiteY13"/>
+              </a:cxn>
+              <a:cxn ang="0">
+                <a:pos x="connsiteX14" y="connsiteY14"/>
+              </a:cxn>
+              <a:cxn ang="0">
+                <a:pos x="connsiteX15" y="connsiteY15"/>
+              </a:cxn>
+              <a:cxn ang="0">
+                <a:pos x="connsiteX16" y="connsiteY16"/>
+              </a:cxn>
+              <a:cxn ang="0">
+                <a:pos x="connsiteX17" y="connsiteY17"/>
+              </a:cxn>
+              <a:cxn ang="0">
+                <a:pos x="connsiteX18" y="connsiteY18"/>
+              </a:cxn>
+              <a:cxn ang="0">
+                <a:pos x="connsiteX19" y="connsiteY19"/>
+              </a:cxn>
+              <a:cxn ang="0">
+                <a:pos x="connsiteX20" y="connsiteY20"/>
+              </a:cxn>
+              <a:cxn ang="0">
+                <a:pos x="connsiteX21" y="connsiteY21"/>
+              </a:cxn>
+              <a:cxn ang="0">
+                <a:pos x="connsiteX22" y="connsiteY22"/>
+              </a:cxn>
+              <a:cxn ang="0">
+                <a:pos x="connsiteX23" y="connsiteY23"/>
+              </a:cxn>
+              <a:cxn ang="0">
+                <a:pos x="connsiteX24" y="connsiteY24"/>
+              </a:cxn>
+              <a:cxn ang="0">
+                <a:pos x="connsiteX25" y="connsiteY25"/>
+              </a:cxn>
+              <a:cxn ang="0">
+                <a:pos x="connsiteX26" y="connsiteY26"/>
+              </a:cxn>
+              <a:cxn ang="0">
+                <a:pos x="connsiteX27" y="connsiteY27"/>
+              </a:cxn>
+              <a:cxn ang="0">
+                <a:pos x="connsiteX28" y="connsiteY28"/>
+              </a:cxn>
+              <a:cxn ang="0">
+                <a:pos x="connsiteX29" y="connsiteY29"/>
+              </a:cxn>
+              <a:cxn ang="0">
+                <a:pos x="connsiteX30" y="connsiteY30"/>
+              </a:cxn>
+              <a:cxn ang="0">
+                <a:pos x="connsiteX31" y="connsiteY31"/>
+              </a:cxn>
+              <a:cxn ang="0">
+                <a:pos x="connsiteX32" y="connsiteY32"/>
+              </a:cxn>
+              <a:cxn ang="0">
+                <a:pos x="connsiteX33" y="connsiteY33"/>
+              </a:cxn>
+              <a:cxn ang="0">
+                <a:pos x="connsiteX34" y="connsiteY34"/>
+              </a:cxn>
+              <a:cxn ang="0">
+                <a:pos x="connsiteX35" y="connsiteY35"/>
+              </a:cxn>
+              <a:cxn ang="0">
+                <a:pos x="connsiteX36" y="connsiteY36"/>
+              </a:cxn>
+              <a:cxn ang="0">
+                <a:pos x="connsiteX37" y="connsiteY37"/>
+              </a:cxn>
+              <a:cxn ang="0">
+                <a:pos x="connsiteX38" y="connsiteY38"/>
+              </a:cxn>
+              <a:cxn ang="0">
+                <a:pos x="connsiteX39" y="connsiteY39"/>
+              </a:cxn>
+              <a:cxn ang="0">
+                <a:pos x="connsiteX40" y="connsiteY40"/>
+              </a:cxn>
+              <a:cxn ang="0">
+                <a:pos x="connsiteX41" y="connsiteY41"/>
+              </a:cxn>
+              <a:cxn ang="0">
+                <a:pos x="connsiteX42" y="connsiteY42"/>
+              </a:cxn>
+              <a:cxn ang="0">
+                <a:pos x="connsiteX43" y="connsiteY43"/>
+              </a:cxn>
+              <a:cxn ang="0">
+                <a:pos x="connsiteX44" y="connsiteY44"/>
+              </a:cxn>
+              <a:cxn ang="0">
+                <a:pos x="connsiteX45" y="connsiteY45"/>
+              </a:cxn>
+              <a:cxn ang="0">
+                <a:pos x="connsiteX46" y="connsiteY46"/>
+              </a:cxn>
+              <a:cxn ang="0">
+                <a:pos x="connsiteX47" y="connsiteY47"/>
+              </a:cxn>
+              <a:cxn ang="0">
+                <a:pos x="connsiteX48" y="connsiteY48"/>
+              </a:cxn>
+              <a:cxn ang="0">
+                <a:pos x="connsiteX49" y="connsiteY49"/>
+              </a:cxn>
+              <a:cxn ang="0">
+                <a:pos x="connsiteX50" y="connsiteY50"/>
+              </a:cxn>
+              <a:cxn ang="0">
+                <a:pos x="connsiteX51" y="connsiteY51"/>
+              </a:cxn>
+              <a:cxn ang="0">
+                <a:pos x="connsiteX52" y="connsiteY52"/>
+              </a:cxn>
+              <a:cxn ang="0">
+                <a:pos x="connsiteX53" y="connsiteY53"/>
+              </a:cxn>
+              <a:cxn ang="0">
+                <a:pos x="connsiteX54" y="connsiteY54"/>
+              </a:cxn>
+              <a:cxn ang="0">
+                <a:pos x="connsiteX55" y="connsiteY55"/>
+              </a:cxn>
+              <a:cxn ang="0">
+                <a:pos x="connsiteX56" y="connsiteY56"/>
+              </a:cxn>
+              <a:cxn ang="0">
+                <a:pos x="connsiteX57" y="connsiteY57"/>
+              </a:cxn>
+              <a:cxn ang="0">
+                <a:pos x="connsiteX58" y="connsiteY58"/>
+              </a:cxn>
+              <a:cxn ang="0">
+                <a:pos x="connsiteX59" y="connsiteY59"/>
+              </a:cxn>
+              <a:cxn ang="0">
+                <a:pos x="connsiteX60" y="connsiteY60"/>
+              </a:cxn>
+              <a:cxn ang="0">
+                <a:pos x="connsiteX61" y="connsiteY61"/>
+              </a:cxn>
+              <a:cxn ang="0">
+                <a:pos x="connsiteX62" y="connsiteY62"/>
+              </a:cxn>
+              <a:cxn ang="0">
+                <a:pos x="connsiteX63" y="connsiteY63"/>
+              </a:cxn>
+              <a:cxn ang="0">
+                <a:pos x="connsiteX64" y="connsiteY64"/>
+              </a:cxn>
+              <a:cxn ang="0">
+                <a:pos x="connsiteX65" y="connsiteY65"/>
+              </a:cxn>
+              <a:cxn ang="0">
+                <a:pos x="connsiteX66" y="connsiteY66"/>
+              </a:cxn>
+              <a:cxn ang="0">
+                <a:pos x="connsiteX67" y="connsiteY67"/>
+              </a:cxn>
+              <a:cxn ang="0">
+                <a:pos x="connsiteX68" y="connsiteY68"/>
+              </a:cxn>
+              <a:cxn ang="0">
+                <a:pos x="connsiteX69" y="connsiteY69"/>
+              </a:cxn>
+              <a:cxn ang="0">
+                <a:pos x="connsiteX70" y="connsiteY70"/>
+              </a:cxn>
+              <a:cxn ang="0">
+                <a:pos x="connsiteX71" y="connsiteY71"/>
+              </a:cxn>
+            </a:cxnLst>
+            <a:rect l="l" t="t" r="r" b="b"/>
+            <a:pathLst>
+              <a:path w="2985597" h="4349468">
+                <a:moveTo>
+                  <a:pt x="576351" y="399129"/>
+                </a:moveTo>
+                <a:lnTo>
+                  <a:pt x="576351" y="399129"/>
+                </a:lnTo>
+                <a:cubicBezTo>
+                  <a:pt x="968615" y="407080"/>
+                  <a:pt x="1361214" y="404933"/>
+                  <a:pt x="1753144" y="422983"/>
+                </a:cubicBezTo>
+                <a:cubicBezTo>
+                  <a:pt x="1768122" y="423673"/>
+                  <a:pt x="1775745" y="442954"/>
+                  <a:pt x="1784950" y="454789"/>
+                </a:cubicBezTo>
+                <a:cubicBezTo>
+                  <a:pt x="1794438" y="466988"/>
+                  <a:pt x="1800852" y="481293"/>
+                  <a:pt x="1808803" y="494545"/>
+                </a:cubicBezTo>
+                <a:cubicBezTo>
+                  <a:pt x="1822055" y="491895"/>
+                  <a:pt x="1836257" y="492186"/>
+                  <a:pt x="1848560" y="486594"/>
+                </a:cubicBezTo>
+                <a:cubicBezTo>
+                  <a:pt x="1865959" y="478685"/>
+                  <a:pt x="1877726" y="459425"/>
+                  <a:pt x="1896268" y="454789"/>
+                </a:cubicBezTo>
+                <a:cubicBezTo>
+                  <a:pt x="1936204" y="444804"/>
+                  <a:pt x="1917706" y="450293"/>
+                  <a:pt x="1951927" y="438886"/>
+                </a:cubicBezTo>
+                <a:cubicBezTo>
+                  <a:pt x="1939313" y="836216"/>
+                  <a:pt x="1925627" y="1009552"/>
+                  <a:pt x="1943976" y="1400994"/>
+                </a:cubicBezTo>
+                <a:cubicBezTo>
+                  <a:pt x="1944761" y="1417738"/>
+                  <a:pt x="1954577" y="1432799"/>
+                  <a:pt x="1959878" y="1448702"/>
+                </a:cubicBezTo>
+                <a:cubicBezTo>
+                  <a:pt x="1962529" y="1472556"/>
+                  <a:pt x="1962009" y="1496979"/>
+                  <a:pt x="1967830" y="1520263"/>
+                </a:cubicBezTo>
+                <a:cubicBezTo>
+                  <a:pt x="1970148" y="1529534"/>
+                  <a:pt x="1980552" y="1535106"/>
+                  <a:pt x="1983732" y="1544117"/>
+                </a:cubicBezTo>
+                <a:cubicBezTo>
+                  <a:pt x="1996576" y="1580508"/>
+                  <a:pt x="2015537" y="1655435"/>
+                  <a:pt x="2015537" y="1655435"/>
+                </a:cubicBezTo>
+                <a:cubicBezTo>
+                  <a:pt x="2034163" y="1823053"/>
+                  <a:pt x="2010163" y="1630497"/>
+                  <a:pt x="2039391" y="1798559"/>
+                </a:cubicBezTo>
+                <a:cubicBezTo>
+                  <a:pt x="2045813" y="1835487"/>
+                  <a:pt x="2049993" y="1872771"/>
+                  <a:pt x="2055294" y="1909877"/>
+                </a:cubicBezTo>
+                <a:cubicBezTo>
+                  <a:pt x="2078168" y="2493141"/>
+                  <a:pt x="2078013" y="2317618"/>
+                  <a:pt x="2063245" y="3070768"/>
+                </a:cubicBezTo>
+                <a:cubicBezTo>
+                  <a:pt x="2062878" y="3089506"/>
+                  <a:pt x="2059508" y="3108166"/>
+                  <a:pt x="2055294" y="3126427"/>
+                </a:cubicBezTo>
+                <a:cubicBezTo>
+                  <a:pt x="2047750" y="3159116"/>
+                  <a:pt x="2043251" y="3179513"/>
+                  <a:pt x="2015537" y="3197989"/>
+                </a:cubicBezTo>
+                <a:cubicBezTo>
+                  <a:pt x="2008563" y="3202638"/>
+                  <a:pt x="1999634" y="3203290"/>
+                  <a:pt x="1991683" y="3205940"/>
+                </a:cubicBezTo>
+                <a:cubicBezTo>
+                  <a:pt x="1983732" y="3211241"/>
+                  <a:pt x="1976377" y="3217568"/>
+                  <a:pt x="1967830" y="3221842"/>
+                </a:cubicBezTo>
+                <a:cubicBezTo>
+                  <a:pt x="1960333" y="3225590"/>
+                  <a:pt x="1952107" y="3227761"/>
+                  <a:pt x="1943976" y="3229794"/>
+                </a:cubicBezTo>
+                <a:cubicBezTo>
+                  <a:pt x="1920270" y="3235721"/>
+                  <a:pt x="1896268" y="3240395"/>
+                  <a:pt x="1872414" y="3245696"/>
+                </a:cubicBezTo>
+                <a:cubicBezTo>
+                  <a:pt x="1737242" y="3243046"/>
+                  <a:pt x="1601927" y="3244497"/>
+                  <a:pt x="1466897" y="3237745"/>
+                </a:cubicBezTo>
+                <a:cubicBezTo>
+                  <a:pt x="1442492" y="3236525"/>
+                  <a:pt x="1419566" y="3225002"/>
+                  <a:pt x="1395336" y="3221842"/>
+                </a:cubicBezTo>
+                <a:cubicBezTo>
+                  <a:pt x="1358448" y="3217030"/>
+                  <a:pt x="1321123" y="3216541"/>
+                  <a:pt x="1284017" y="3213891"/>
+                </a:cubicBezTo>
+                <a:cubicBezTo>
+                  <a:pt x="1063596" y="3220014"/>
+                  <a:pt x="808550" y="3231620"/>
+                  <a:pt x="592254" y="3213891"/>
+                </a:cubicBezTo>
+                <a:cubicBezTo>
+                  <a:pt x="563803" y="3211559"/>
+                  <a:pt x="512741" y="3182086"/>
+                  <a:pt x="512741" y="3182086"/>
+                </a:cubicBezTo>
+                <a:lnTo>
+                  <a:pt x="51565" y="3190037"/>
+                </a:lnTo>
+                <a:cubicBezTo>
+                  <a:pt x="39753" y="3191021"/>
+                  <a:pt x="40332" y="3210947"/>
+                  <a:pt x="35663" y="3221842"/>
+                </a:cubicBezTo>
+                <a:cubicBezTo>
+                  <a:pt x="15912" y="3267928"/>
+                  <a:pt x="42367" y="3223711"/>
+                  <a:pt x="11809" y="3269550"/>
+                </a:cubicBezTo>
+                <a:cubicBezTo>
+                  <a:pt x="-8616" y="3392090"/>
+                  <a:pt x="-324" y="3319820"/>
+                  <a:pt x="19760" y="3555797"/>
+                </a:cubicBezTo>
+                <a:cubicBezTo>
+                  <a:pt x="30800" y="3685513"/>
+                  <a:pt x="35752" y="3699277"/>
+                  <a:pt x="67468" y="3826142"/>
+                </a:cubicBezTo>
+                <a:cubicBezTo>
+                  <a:pt x="74797" y="3855459"/>
+                  <a:pt x="81264" y="3885109"/>
+                  <a:pt x="91322" y="3913606"/>
+                </a:cubicBezTo>
+                <a:cubicBezTo>
+                  <a:pt x="97239" y="3930372"/>
+                  <a:pt x="107819" y="3945128"/>
+                  <a:pt x="115176" y="3961314"/>
+                </a:cubicBezTo>
+                <a:cubicBezTo>
+                  <a:pt x="129004" y="3991735"/>
+                  <a:pt x="136312" y="4016773"/>
+                  <a:pt x="146981" y="4048778"/>
+                </a:cubicBezTo>
+                <a:cubicBezTo>
+                  <a:pt x="152282" y="4083234"/>
+                  <a:pt x="156046" y="4117961"/>
+                  <a:pt x="162883" y="4152145"/>
+                </a:cubicBezTo>
+                <a:cubicBezTo>
+                  <a:pt x="239084" y="4533158"/>
+                  <a:pt x="324544" y="4246319"/>
+                  <a:pt x="1069332" y="4239609"/>
+                </a:cubicBezTo>
+                <a:cubicBezTo>
+                  <a:pt x="2554449" y="4251491"/>
+                  <a:pt x="1687369" y="4177725"/>
+                  <a:pt x="2174563" y="4271415"/>
+                </a:cubicBezTo>
+                <a:cubicBezTo>
+                  <a:pt x="2320431" y="4299466"/>
+                  <a:pt x="2220174" y="4273087"/>
+                  <a:pt x="2325638" y="4303220"/>
+                </a:cubicBezTo>
+                <a:cubicBezTo>
+                  <a:pt x="2378647" y="4300570"/>
+                  <a:pt x="2432544" y="4305292"/>
+                  <a:pt x="2484664" y="4295269"/>
+                </a:cubicBezTo>
+                <a:cubicBezTo>
+                  <a:pt x="2503433" y="4291660"/>
+                  <a:pt x="2514146" y="4269218"/>
+                  <a:pt x="2532372" y="4263463"/>
+                </a:cubicBezTo>
+                <a:cubicBezTo>
+                  <a:pt x="2565615" y="4252965"/>
+                  <a:pt x="2601283" y="4252862"/>
+                  <a:pt x="2635739" y="4247561"/>
+                </a:cubicBezTo>
+                <a:cubicBezTo>
+                  <a:pt x="2659593" y="4236959"/>
+                  <a:pt x="2682685" y="4224443"/>
+                  <a:pt x="2707301" y="4215755"/>
+                </a:cubicBezTo>
+                <a:cubicBezTo>
+                  <a:pt x="2757204" y="4198142"/>
+                  <a:pt x="2789810" y="4197753"/>
+                  <a:pt x="2842473" y="4191902"/>
+                </a:cubicBezTo>
+                <a:cubicBezTo>
+                  <a:pt x="2873727" y="4098137"/>
+                  <a:pt x="2859593" y="4147171"/>
+                  <a:pt x="2866327" y="3937460"/>
+                </a:cubicBezTo>
+                <a:cubicBezTo>
+                  <a:pt x="2882409" y="3436611"/>
+                  <a:pt x="2883214" y="2935248"/>
+                  <a:pt x="2906083" y="2434663"/>
+                </a:cubicBezTo>
+                <a:cubicBezTo>
+                  <a:pt x="2908618" y="2379170"/>
+                  <a:pt x="2948654" y="2363876"/>
+                  <a:pt x="2985597" y="2339248"/>
+                </a:cubicBezTo>
+                <a:cubicBezTo>
+                  <a:pt x="2982946" y="2320695"/>
+                  <a:pt x="2981859" y="2301850"/>
+                  <a:pt x="2977645" y="2283589"/>
+                </a:cubicBezTo>
+                <a:cubicBezTo>
+                  <a:pt x="2973876" y="2267255"/>
+                  <a:pt x="2966560" y="2251937"/>
+                  <a:pt x="2961743" y="2235881"/>
+                </a:cubicBezTo>
+                <a:cubicBezTo>
+                  <a:pt x="2958603" y="2225414"/>
+                  <a:pt x="2957247" y="2214443"/>
+                  <a:pt x="2953791" y="2204075"/>
+                </a:cubicBezTo>
+                <a:cubicBezTo>
+                  <a:pt x="2926921" y="2123464"/>
+                  <a:pt x="2947973" y="2207563"/>
+                  <a:pt x="2921986" y="2116611"/>
+                </a:cubicBezTo>
+                <a:cubicBezTo>
+                  <a:pt x="2899361" y="2037427"/>
+                  <a:pt x="2909361" y="2056642"/>
+                  <a:pt x="2890181" y="1965536"/>
+                </a:cubicBezTo>
+                <a:cubicBezTo>
+                  <a:pt x="2885678" y="1944149"/>
+                  <a:pt x="2878781" y="1923313"/>
+                  <a:pt x="2874278" y="1901926"/>
+                </a:cubicBezTo>
+                <a:cubicBezTo>
+                  <a:pt x="2857497" y="1822216"/>
+                  <a:pt x="2853771" y="1779927"/>
+                  <a:pt x="2842473" y="1695192"/>
+                </a:cubicBezTo>
+                <a:cubicBezTo>
+                  <a:pt x="2845123" y="1557369"/>
+                  <a:pt x="2845831" y="1419496"/>
+                  <a:pt x="2850424" y="1281724"/>
+                </a:cubicBezTo>
+                <a:cubicBezTo>
+                  <a:pt x="2851136" y="1260367"/>
+                  <a:pt x="2852938" y="1238779"/>
+                  <a:pt x="2858376" y="1218114"/>
+                </a:cubicBezTo>
+                <a:cubicBezTo>
+                  <a:pt x="2866271" y="1188113"/>
+                  <a:pt x="2879579" y="1159804"/>
+                  <a:pt x="2890181" y="1130649"/>
+                </a:cubicBezTo>
+                <a:cubicBezTo>
+                  <a:pt x="2888535" y="1105960"/>
+                  <a:pt x="2885796" y="1005904"/>
+                  <a:pt x="2874278" y="963672"/>
+                </a:cubicBezTo>
+                <a:cubicBezTo>
+                  <a:pt x="2870523" y="949902"/>
+                  <a:pt x="2863677" y="937167"/>
+                  <a:pt x="2858376" y="923915"/>
+                </a:cubicBezTo>
+                <a:cubicBezTo>
+                  <a:pt x="2838058" y="243271"/>
+                  <a:pt x="3020439" y="399129"/>
+                  <a:pt x="2444908" y="399129"/>
+                </a:cubicBezTo>
+                <a:cubicBezTo>
+                  <a:pt x="2402418" y="399129"/>
+                  <a:pt x="2360094" y="393828"/>
+                  <a:pt x="2317687" y="391178"/>
+                </a:cubicBezTo>
+                <a:cubicBezTo>
+                  <a:pt x="2322988" y="295762"/>
+                  <a:pt x="2331600" y="200473"/>
+                  <a:pt x="2333590" y="104931"/>
+                </a:cubicBezTo>
+                <a:cubicBezTo>
+                  <a:pt x="2334255" y="73022"/>
+                  <a:pt x="2353603" y="24896"/>
+                  <a:pt x="2325638" y="9515"/>
+                </a:cubicBezTo>
+                <a:cubicBezTo>
+                  <a:pt x="2281452" y="-14787"/>
+                  <a:pt x="2224921" y="14816"/>
+                  <a:pt x="2174563" y="17467"/>
+                </a:cubicBezTo>
+                <a:cubicBezTo>
+                  <a:pt x="1899949" y="78492"/>
+                  <a:pt x="2085994" y="48984"/>
+                  <a:pt x="1633875" y="41321"/>
+                </a:cubicBezTo>
+                <a:lnTo>
+                  <a:pt x="1093186" y="33369"/>
+                </a:lnTo>
+                <a:cubicBezTo>
+                  <a:pt x="1077283" y="36020"/>
+                  <a:pt x="1061600" y="41321"/>
+                  <a:pt x="1045478" y="41321"/>
+                </a:cubicBezTo>
+                <a:cubicBezTo>
+                  <a:pt x="848245" y="41321"/>
+                  <a:pt x="871554" y="42599"/>
+                  <a:pt x="751280" y="25418"/>
+                </a:cubicBezTo>
+                <a:cubicBezTo>
+                  <a:pt x="719475" y="30719"/>
+                  <a:pt x="686453" y="31124"/>
+                  <a:pt x="655864" y="41321"/>
+                </a:cubicBezTo>
+                <a:cubicBezTo>
+                  <a:pt x="645196" y="44877"/>
+                  <a:pt x="641366" y="58937"/>
+                  <a:pt x="632010" y="65175"/>
+                </a:cubicBezTo>
+                <a:cubicBezTo>
+                  <a:pt x="625037" y="69824"/>
+                  <a:pt x="608754" y="64766"/>
+                  <a:pt x="608157" y="73126"/>
+                </a:cubicBezTo>
+                <a:cubicBezTo>
+                  <a:pt x="600415" y="181518"/>
+                  <a:pt x="581652" y="344795"/>
+                  <a:pt x="576351" y="399129"/>
+                </a:cubicBezTo>
+                <a:close/>
+              </a:path>
+            </a:pathLst>
+          </a:custGeom>
+          <a:noFill/>
+          <a:ln>
+            <a:noFill/>
+          </a:ln>
+        </p:spPr>
+        <p:style>
+          <a:lnRef idx="2">
+            <a:schemeClr val="accent1">
+              <a:shade val="50000"/>
+            </a:schemeClr>
+          </a:lnRef>
+          <a:fillRef idx="1">
+            <a:schemeClr val="accent1"/>
+          </a:fillRef>
+          <a:effectRef idx="0">
+            <a:schemeClr val="accent1"/>
+          </a:effectRef>
+          <a:fontRef idx="minor">
+            <a:schemeClr val="lt1"/>
+          </a:fontRef>
+        </p:style>
+        <p:txBody>
+          <a:bodyPr rtlCol="0" anchor="ctr"/>
+          <a:lstStyle/>
+          <a:p>
+            <a:pPr algn="ctr"/>
+            <a:endParaRPr lang="en-US"/>
+          </a:p>
+        </p:txBody>
+      </p:sp>
+      <p:sp>
+        <p:nvSpPr>
+          <p:cNvPr id="11" name="Rectangle 10"/>
+          <p:cNvSpPr/>
+          <p:nvPr/>
+        </p:nvSpPr>
+        <p:spPr>
+          <a:xfrm>
+            <a:off x="3124200" y="1447800"/>
+            <a:ext cx="2895600" cy="381000"/>
+          </a:xfrm>
+          <a:prstGeom prst="rect">
+            <a:avLst/>
+          </a:prstGeom>
+        </p:spPr>
+        <p:style>
+          <a:lnRef idx="2">
+            <a:schemeClr val="accent1">
+              <a:shade val="50000"/>
+            </a:schemeClr>
+          </a:lnRef>
+          <a:fillRef idx="1">
+            <a:schemeClr val="accent1"/>
+          </a:fillRef>
+          <a:effectRef idx="0">
+            <a:schemeClr val="accent1"/>
+          </a:effectRef>
+          <a:fontRef idx="minor">
+            <a:schemeClr val="lt1"/>
+          </a:fontRef>
+        </p:style>
+        <p:txBody>
+          <a:bodyPr rtlCol="0" anchor="ctr"/>
+          <a:lstStyle/>
+          <a:p>
+            <a:pPr algn="ctr"/>
+            <a:r>
+              <a:rPr lang="en-US" dirty="0" smtClean="0"/>
+              <a:t>Business</a:t>
+            </a:r>
+            <a:endParaRPr lang="en-US" dirty="0"/>
+          </a:p>
+        </p:txBody>
+      </p:sp>
+      <p:sp>
+        <p:nvSpPr>
+          <p:cNvPr id="4" name="Title 3"/>
+          <p:cNvSpPr>
+            <a:spLocks noGrp="1"/>
+          </p:cNvSpPr>
+          <p:nvPr>
+            <p:ph type="title"/>
+          </p:nvPr>
+        </p:nvSpPr>
+        <p:spPr>
+          <a:xfrm>
+            <a:off x="228600" y="304800"/>
+            <a:ext cx="2286000" cy="1143000"/>
+          </a:xfrm>
+        </p:spPr>
+        <p:txBody>
+          <a:bodyPr/>
+          <a:lstStyle/>
+          <a:p>
+            <a:r>
+              <a:rPr lang="en-US" dirty="0" smtClean="0"/>
+              <a:t>Tasks - Menu Screen</a:t>
+            </a:r>
+            <a:endParaRPr lang="en-US" dirty="0"/>
+          </a:p>
+        </p:txBody>
+      </p:sp>
+      <p:pic>
+        <p:nvPicPr>
+          <p:cNvPr id="5" name="Picture 4">
+            <a:hlinkClick r:id="rId2" action="ppaction://hlinksldjump"/>
+          </p:cNvPr>
+          <p:cNvPicPr>
+            <a:picLocks noChangeAspect="1"/>
+          </p:cNvPicPr>
+          <p:nvPr/>
+        </p:nvPicPr>
+        <p:blipFill>
+          <a:blip r:embed="rId3">
+            <a:extLst>
+              <a:ext uri="{28A0092B-C50C-407E-A947-70E740481C1C}">
+                <a14:useLocalDpi xmlns:a14="http://schemas.microsoft.com/office/drawing/2010/main" val="0"/>
+              </a:ext>
+            </a:extLst>
+          </a:blip>
+          <a:stretch>
+            <a:fillRect/>
+          </a:stretch>
+        </p:blipFill>
+        <p:spPr>
+          <a:xfrm>
+            <a:off x="3124200" y="1447801"/>
+            <a:ext cx="533400" cy="381000"/>
+          </a:xfrm>
+          <a:prstGeom prst="rect">
+            <a:avLst/>
+          </a:prstGeom>
+        </p:spPr>
+      </p:pic>
+      <p:pic>
+        <p:nvPicPr>
+          <p:cNvPr id="6" name="Picture 5"/>
+          <p:cNvPicPr>
+            <a:picLocks noChangeAspect="1"/>
+          </p:cNvPicPr>
+          <p:nvPr/>
+        </p:nvPicPr>
+        <p:blipFill>
+          <a:blip r:embed="rId4">
+            <a:extLst>
+              <a:ext uri="{28A0092B-C50C-407E-A947-70E740481C1C}">
+                <a14:useLocalDpi xmlns:a14="http://schemas.microsoft.com/office/drawing/2010/main" val="0"/>
+              </a:ext>
+            </a:extLst>
+          </a:blip>
+          <a:stretch>
+            <a:fillRect/>
+          </a:stretch>
+        </p:blipFill>
+        <p:spPr>
+          <a:xfrm>
+            <a:off x="3124200" y="1864582"/>
+            <a:ext cx="2895600" cy="612531"/>
+          </a:xfrm>
+          <a:prstGeom prst="rect">
+            <a:avLst/>
+          </a:prstGeom>
+        </p:spPr>
+      </p:pic>
+      <p:pic>
+        <p:nvPicPr>
+          <p:cNvPr id="7" name="Picture 6"/>
+          <p:cNvPicPr>
+            <a:picLocks noChangeAspect="1"/>
+          </p:cNvPicPr>
+          <p:nvPr/>
+        </p:nvPicPr>
+        <p:blipFill>
+          <a:blip r:embed="rId5">
+            <a:extLst>
+              <a:ext uri="{28A0092B-C50C-407E-A947-70E740481C1C}">
+                <a14:useLocalDpi xmlns:a14="http://schemas.microsoft.com/office/drawing/2010/main" val="0"/>
+              </a:ext>
+            </a:extLst>
+          </a:blip>
+          <a:stretch>
+            <a:fillRect/>
+          </a:stretch>
+        </p:blipFill>
+        <p:spPr>
+          <a:xfrm>
+            <a:off x="3124201" y="2511669"/>
+            <a:ext cx="2895600" cy="612531"/>
+          </a:xfrm>
+          <a:prstGeom prst="rect">
+            <a:avLst/>
+          </a:prstGeom>
+        </p:spPr>
+      </p:pic>
+      <p:pic>
+        <p:nvPicPr>
+          <p:cNvPr id="2" name="Picture 1"/>
+          <p:cNvPicPr>
+            <a:picLocks noChangeAspect="1"/>
+          </p:cNvPicPr>
+          <p:nvPr/>
+        </p:nvPicPr>
+        <p:blipFill>
+          <a:blip r:embed="rId6">
+            <a:extLst>
+              <a:ext uri="{28A0092B-C50C-407E-A947-70E740481C1C}">
+                <a14:useLocalDpi xmlns:a14="http://schemas.microsoft.com/office/drawing/2010/main" val="0"/>
+              </a:ext>
+            </a:extLst>
+          </a:blip>
+          <a:stretch>
+            <a:fillRect/>
+          </a:stretch>
+        </p:blipFill>
+        <p:spPr>
+          <a:xfrm>
+            <a:off x="3108832" y="1828800"/>
+            <a:ext cx="1899385" cy="2819400"/>
+          </a:xfrm>
+          <a:prstGeom prst="rect">
+            <a:avLst/>
+          </a:prstGeom>
+        </p:spPr>
+      </p:pic>
+      <p:pic>
+        <p:nvPicPr>
+          <p:cNvPr id="12" name="Picture 11">
+            <a:hlinkClick r:id="rId7" action="ppaction://hlinksldjump"/>
+          </p:cNvPr>
+          <p:cNvPicPr>
+            <a:picLocks noChangeAspect="1"/>
+          </p:cNvPicPr>
+          <p:nvPr/>
+        </p:nvPicPr>
+        <p:blipFill>
+          <a:blip r:embed="rId8">
+            <a:extLst>
+              <a:ext uri="{28A0092B-C50C-407E-A947-70E740481C1C}">
+                <a14:useLocalDpi xmlns:a14="http://schemas.microsoft.com/office/drawing/2010/main" val="0"/>
+              </a:ext>
+            </a:extLst>
+          </a:blip>
+          <a:stretch>
+            <a:fillRect/>
+          </a:stretch>
+        </p:blipFill>
+        <p:spPr>
+          <a:xfrm>
+            <a:off x="5435198" y="1447801"/>
+            <a:ext cx="571530" cy="381021"/>
+          </a:xfrm>
+          <a:prstGeom prst="rect">
+            <a:avLst/>
+          </a:prstGeom>
+        </p:spPr>
+      </p:pic>
+      <p:sp>
+        <p:nvSpPr>
+          <p:cNvPr id="3" name="Rectangle 2">
+            <a:hlinkClick r:id="rId9" action="ppaction://hlinksldjump"/>
+          </p:cNvPr>
+          <p:cNvSpPr/>
+          <p:nvPr/>
+        </p:nvSpPr>
+        <p:spPr>
+          <a:xfrm>
+            <a:off x="3124201" y="1828800"/>
+            <a:ext cx="1884016" cy="533400"/>
+          </a:xfrm>
+          <a:prstGeom prst="rect">
+            <a:avLst/>
+          </a:prstGeom>
+          <a:noFill/>
+          <a:ln>
+            <a:noFill/>
+          </a:ln>
+        </p:spPr>
+        <p:style>
+          <a:lnRef idx="2">
+            <a:schemeClr val="accent1">
+              <a:shade val="50000"/>
+            </a:schemeClr>
+          </a:lnRef>
+          <a:fillRef idx="1">
+            <a:schemeClr val="accent1"/>
+          </a:fillRef>
+          <a:effectRef idx="0">
+            <a:schemeClr val="accent1"/>
+          </a:effectRef>
+          <a:fontRef idx="minor">
+            <a:schemeClr val="lt1"/>
+          </a:fontRef>
+        </p:style>
+        <p:txBody>
+          <a:bodyPr rtlCol="0" anchor="ctr"/>
+          <a:lstStyle/>
+          <a:p>
+            <a:pPr algn="ctr"/>
+            <a:endParaRPr lang="en-US"/>
+          </a:p>
+        </p:txBody>
+      </p:sp>
+      <p:sp>
+        <p:nvSpPr>
+          <p:cNvPr id="8" name="Rectangle 7">
+            <a:hlinkClick r:id="rId10" action="ppaction://hlinksldjump"/>
+          </p:cNvPr>
+          <p:cNvSpPr/>
+          <p:nvPr/>
+        </p:nvSpPr>
+        <p:spPr>
+          <a:xfrm>
+            <a:off x="3108832" y="2362200"/>
+            <a:ext cx="1899385" cy="533400"/>
+          </a:xfrm>
+          <a:prstGeom prst="rect">
+            <a:avLst/>
+          </a:prstGeom>
+          <a:noFill/>
+          <a:ln>
+            <a:noFill/>
+          </a:ln>
+        </p:spPr>
+        <p:style>
+          <a:lnRef idx="2">
+            <a:schemeClr val="accent1">
+              <a:shade val="50000"/>
+            </a:schemeClr>
+          </a:lnRef>
+          <a:fillRef idx="1">
+            <a:schemeClr val="accent1"/>
+          </a:fillRef>
+          <a:effectRef idx="0">
+            <a:schemeClr val="accent1"/>
+          </a:effectRef>
+          <a:fontRef idx="minor">
+            <a:schemeClr val="lt1"/>
+          </a:fontRef>
+        </p:style>
+        <p:txBody>
+          <a:bodyPr rtlCol="0" anchor="ctr"/>
+          <a:lstStyle/>
+          <a:p>
+            <a:pPr algn="ctr"/>
+            <a:endParaRPr lang="en-US"/>
+          </a:p>
+        </p:txBody>
+      </p:sp>
+    </p:spTree>
+    <p:extLst>
+      <p:ext uri="{BB962C8B-B14F-4D97-AF65-F5344CB8AC3E}">
+        <p14:creationId xmlns:p14="http://schemas.microsoft.com/office/powerpoint/2010/main" val="2087562064"/>
+      </p:ext>
+    </p:extLst>
+  </p:cSld>
+  <p:clrMapOvr>
+    <a:masterClrMapping/>
+  </p:clrMapOvr>
+  <mc:AlternateContent xmlns:mc="http://schemas.openxmlformats.org/markup-compatibility/2006" xmlns:p14="http://schemas.microsoft.com/office/powerpoint/2010/main">
+    <mc:Choice Requires="p14">
+      <p:transition spd="slow" p14:dur="2000" advClick="0"/>
+    </mc:Choice>
+    <mc:Fallback xmlns="">
+      <p:transition spd="slow" advClick="0"/>
+    </mc:Fallback>
+  </mc:AlternateContent>
+  <p:timing>
+    <p:tnLst>
+      <p:par>
+        <p:cTn id="1" dur="indefinite" restart="never" nodeType="tmRoot"/>
+      </p:par>
+    </p:tnLst>
+  </p:timing>
+</p:sld>
+</file>
+
+<file path=ppt/slides/slide3.xml><?xml version="1.0" encoding="utf-8"?>
+<p:sld xmlns:a="http://schemas.openxmlformats.org/drawingml/2006/main" xmlns:r="http://schemas.openxmlformats.org/officeDocument/2006/relationships" xmlns:p="http://schemas.openxmlformats.org/presentationml/2006/main">
+  <p:cSld>
+    <p:spTree>
+      <p:nvGrpSpPr>
+        <p:cNvPr id="1" name=""/>
+        <p:cNvGrpSpPr/>
+        <p:nvPr/>
+      </p:nvGrpSpPr>
+      <p:grpSpPr>
+        <a:xfrm>
+          <a:off x="0" y="0"/>
+          <a:ext cx="0" cy="0"/>
+          <a:chOff x="0" y="0"/>
+          <a:chExt cx="0" cy="0"/>
+        </a:xfrm>
+      </p:grpSpPr>
+      <p:sp>
+        <p:nvSpPr>
+          <p:cNvPr id="7" name="Rectangle 6"/>
+          <p:cNvSpPr/>
+          <p:nvPr/>
+        </p:nvSpPr>
+        <p:spPr>
+          <a:xfrm>
+            <a:off x="3124200" y="1828801"/>
+            <a:ext cx="2882348" cy="3809999"/>
+          </a:xfrm>
+          <a:prstGeom prst="rect">
+            <a:avLst/>
+          </a:prstGeom>
+          <a:solidFill>
+            <a:schemeClr val="tx1"/>
+          </a:solidFill>
+        </p:spPr>
+        <p:style>
+          <a:lnRef idx="2">
+            <a:schemeClr val="accent1">
+              <a:shade val="50000"/>
+            </a:schemeClr>
+          </a:lnRef>
+          <a:fillRef idx="1">
+            <a:schemeClr val="accent1"/>
+          </a:fillRef>
+          <a:effectRef idx="0">
+            <a:schemeClr val="accent1"/>
+          </a:effectRef>
+          <a:fontRef idx="minor">
+            <a:schemeClr val="lt1"/>
+          </a:fontRef>
+        </p:style>
+        <p:txBody>
+          <a:bodyPr rtlCol="0" anchor="ctr"/>
+          <a:lstStyle/>
+          <a:p>
+            <a:pPr algn="ctr"/>
+            <a:endParaRPr lang="en-US" dirty="0"/>
+          </a:p>
+        </p:txBody>
+      </p:sp>
+      <p:sp>
+        <p:nvSpPr>
+          <p:cNvPr id="6" name="Rectangle 5"/>
+          <p:cNvSpPr/>
+          <p:nvPr/>
+        </p:nvSpPr>
+        <p:spPr>
+          <a:xfrm>
+            <a:off x="3124200" y="1447800"/>
+            <a:ext cx="2895600" cy="381000"/>
+          </a:xfrm>
+          <a:prstGeom prst="rect">
+            <a:avLst/>
+          </a:prstGeom>
+        </p:spPr>
+        <p:style>
+          <a:lnRef idx="2">
+            <a:schemeClr val="accent1">
+              <a:shade val="50000"/>
+            </a:schemeClr>
+          </a:lnRef>
+          <a:fillRef idx="1">
+            <a:schemeClr val="accent1"/>
+          </a:fillRef>
+          <a:effectRef idx="0">
+            <a:schemeClr val="accent1"/>
+          </a:effectRef>
+          <a:fontRef idx="minor">
+            <a:schemeClr val="lt1"/>
+          </a:fontRef>
+        </p:style>
+        <p:txBody>
+          <a:bodyPr rtlCol="0" anchor="ctr"/>
+          <a:lstStyle/>
+          <a:p>
+            <a:pPr algn="ctr"/>
+            <a:r>
+              <a:rPr lang="en-US" dirty="0" smtClean="0"/>
+              <a:t>Business</a:t>
+            </a:r>
+            <a:endParaRPr lang="en-US" dirty="0"/>
+          </a:p>
+        </p:txBody>
+      </p:sp>
+      <p:sp>
+        <p:nvSpPr>
+          <p:cNvPr id="4" name="Title 3"/>
+          <p:cNvSpPr>
+            <a:spLocks noGrp="1"/>
+          </p:cNvSpPr>
+          <p:nvPr>
+            <p:ph type="title"/>
+          </p:nvPr>
+        </p:nvSpPr>
+        <p:spPr>
+          <a:xfrm>
+            <a:off x="228600" y="304800"/>
+            <a:ext cx="2286000" cy="1143000"/>
+          </a:xfrm>
+        </p:spPr>
+        <p:txBody>
+          <a:bodyPr/>
+          <a:lstStyle/>
+          <a:p>
+            <a:r>
+              <a:rPr lang="en-US" dirty="0" smtClean="0"/>
+              <a:t>New Task Screen</a:t>
+            </a:r>
+            <a:endParaRPr lang="en-US" dirty="0"/>
+          </a:p>
+        </p:txBody>
+      </p:sp>
+      <p:pic>
+        <p:nvPicPr>
+          <p:cNvPr id="5" name="Picture 4"/>
+          <p:cNvPicPr>
+            <a:picLocks noChangeAspect="1"/>
+          </p:cNvPicPr>
+          <p:nvPr/>
+        </p:nvPicPr>
+        <p:blipFill>
+          <a:blip r:embed="rId2">
+            <a:extLst>
+              <a:ext uri="{28A0092B-C50C-407E-A947-70E740481C1C}">
+                <a14:useLocalDpi xmlns:a14="http://schemas.microsoft.com/office/drawing/2010/main" val="0"/>
+              </a:ext>
+            </a:extLst>
+          </a:blip>
+          <a:stretch>
+            <a:fillRect/>
+          </a:stretch>
+        </p:blipFill>
+        <p:spPr>
+          <a:xfrm>
+            <a:off x="3124200" y="1447801"/>
+            <a:ext cx="533400" cy="381000"/>
+          </a:xfrm>
+          <a:prstGeom prst="rect">
+            <a:avLst/>
+          </a:prstGeom>
+        </p:spPr>
+      </p:pic>
+      <p:sp>
+        <p:nvSpPr>
+          <p:cNvPr id="3" name="Rectangle 2"/>
+          <p:cNvSpPr/>
+          <p:nvPr/>
+        </p:nvSpPr>
+        <p:spPr>
+          <a:xfrm>
+            <a:off x="3733800" y="2286000"/>
+            <a:ext cx="2209800" cy="304800"/>
+          </a:xfrm>
+          <a:prstGeom prst="rect">
+            <a:avLst/>
+          </a:prstGeom>
+          <a:solidFill>
+            <a:schemeClr val="tx1"/>
+          </a:solidFill>
+          <a:ln>
+            <a:solidFill>
+              <a:schemeClr val="bg1"/>
+            </a:solidFill>
+          </a:ln>
+        </p:spPr>
+        <p:style>
+          <a:lnRef idx="2">
+            <a:schemeClr val="accent1">
+              <a:shade val="50000"/>
+            </a:schemeClr>
+          </a:lnRef>
+          <a:fillRef idx="1">
+            <a:schemeClr val="accent1"/>
+          </a:fillRef>
+          <a:effectRef idx="0">
+            <a:schemeClr val="accent1"/>
+          </a:effectRef>
+          <a:fontRef idx="minor">
+            <a:schemeClr val="lt1"/>
+          </a:fontRef>
+        </p:style>
+        <p:txBody>
+          <a:bodyPr rtlCol="0" anchor="ctr"/>
+          <a:lstStyle/>
+          <a:p>
+            <a:pPr algn="ctr"/>
+            <a:endParaRPr lang="en-US"/>
+          </a:p>
+        </p:txBody>
+      </p:sp>
+      <p:sp>
+        <p:nvSpPr>
+          <p:cNvPr id="8" name="TextBox 7"/>
+          <p:cNvSpPr txBox="1"/>
+          <p:nvPr/>
+        </p:nvSpPr>
+        <p:spPr>
+          <a:xfrm>
+            <a:off x="3543300" y="1856631"/>
+            <a:ext cx="2057400" cy="380999"/>
+          </a:xfrm>
+          <a:prstGeom prst="rect">
+            <a:avLst/>
+          </a:prstGeom>
+          <a:noFill/>
+        </p:spPr>
+        <p:txBody>
+          <a:bodyPr wrap="square" rtlCol="0">
+            <a:spAutoFit/>
+          </a:bodyPr>
+          <a:lstStyle/>
+          <a:p>
+            <a:pPr algn="ctr"/>
+            <a:r>
+              <a:rPr lang="en-US" dirty="0" smtClean="0">
+                <a:solidFill>
+                  <a:schemeClr val="bg1"/>
+                </a:solidFill>
+              </a:rPr>
+              <a:t>New Task</a:t>
+            </a:r>
+            <a:endParaRPr lang="en-US" dirty="0">
+              <a:solidFill>
+                <a:schemeClr val="bg1"/>
+              </a:solidFill>
+            </a:endParaRPr>
+          </a:p>
+        </p:txBody>
+      </p:sp>
+      <p:sp>
+        <p:nvSpPr>
+          <p:cNvPr id="9" name="TextBox 8"/>
+          <p:cNvSpPr txBox="1"/>
+          <p:nvPr/>
+        </p:nvSpPr>
+        <p:spPr>
+          <a:xfrm>
+            <a:off x="3124200" y="2237630"/>
+            <a:ext cx="1066800" cy="369332"/>
+          </a:xfrm>
+          <a:prstGeom prst="rect">
+            <a:avLst/>
+          </a:prstGeom>
+          <a:noFill/>
+        </p:spPr>
+        <p:txBody>
+          <a:bodyPr wrap="square" rtlCol="0">
+            <a:spAutoFit/>
+          </a:bodyPr>
+          <a:lstStyle/>
+          <a:p>
+            <a:r>
+              <a:rPr lang="en-US" dirty="0" smtClean="0">
+                <a:solidFill>
+                  <a:schemeClr val="bg1"/>
+                </a:solidFill>
+              </a:rPr>
+              <a:t>Task:</a:t>
+            </a:r>
+            <a:endParaRPr lang="en-US" dirty="0">
+              <a:solidFill>
+                <a:schemeClr val="bg1"/>
+              </a:solidFill>
+            </a:endParaRPr>
+          </a:p>
+        </p:txBody>
+      </p:sp>
+      <p:sp>
+        <p:nvSpPr>
+          <p:cNvPr id="10" name="TextBox 9"/>
+          <p:cNvSpPr txBox="1"/>
+          <p:nvPr/>
+        </p:nvSpPr>
+        <p:spPr>
+          <a:xfrm>
+            <a:off x="3124200" y="2819400"/>
+            <a:ext cx="1219200" cy="369332"/>
+          </a:xfrm>
+          <a:prstGeom prst="rect">
+            <a:avLst/>
+          </a:prstGeom>
+          <a:noFill/>
+        </p:spPr>
+        <p:txBody>
+          <a:bodyPr wrap="square" rtlCol="0">
+            <a:spAutoFit/>
+          </a:bodyPr>
+          <a:lstStyle/>
+          <a:p>
+            <a:r>
+              <a:rPr lang="en-US" dirty="0" smtClean="0">
+                <a:solidFill>
+                  <a:schemeClr val="bg1"/>
+                </a:solidFill>
+              </a:rPr>
+              <a:t>Recurrence:</a:t>
+            </a:r>
+            <a:endParaRPr lang="en-US" dirty="0">
+              <a:solidFill>
+                <a:schemeClr val="bg1"/>
+              </a:solidFill>
+            </a:endParaRPr>
+          </a:p>
+        </p:txBody>
+      </p:sp>
+      <p:sp>
+        <p:nvSpPr>
+          <p:cNvPr id="12" name="Rectangle 11"/>
+          <p:cNvSpPr/>
+          <p:nvPr/>
+        </p:nvSpPr>
+        <p:spPr>
+          <a:xfrm>
+            <a:off x="4267200" y="2851666"/>
+            <a:ext cx="1676400" cy="304800"/>
+          </a:xfrm>
+          <a:prstGeom prst="rect">
+            <a:avLst/>
+          </a:prstGeom>
+          <a:solidFill>
+            <a:schemeClr val="tx1"/>
+          </a:solidFill>
+          <a:ln>
+            <a:solidFill>
+              <a:schemeClr val="bg1"/>
+            </a:solidFill>
+          </a:ln>
+        </p:spPr>
+        <p:style>
+          <a:lnRef idx="2">
+            <a:schemeClr val="accent1">
+              <a:shade val="50000"/>
+            </a:schemeClr>
+          </a:lnRef>
+          <a:fillRef idx="1">
+            <a:schemeClr val="accent1"/>
+          </a:fillRef>
+          <a:effectRef idx="0">
+            <a:schemeClr val="accent1"/>
+          </a:effectRef>
+          <a:fontRef idx="minor">
+            <a:schemeClr val="lt1"/>
+          </a:fontRef>
+        </p:style>
+        <p:txBody>
+          <a:bodyPr rtlCol="0" anchor="ctr"/>
+          <a:lstStyle/>
+          <a:p>
+            <a:pPr algn="ctr"/>
+            <a:endParaRPr lang="en-US"/>
+          </a:p>
+        </p:txBody>
+      </p:sp>
+      <p:sp>
+        <p:nvSpPr>
+          <p:cNvPr id="14" name="TextBox 13"/>
+          <p:cNvSpPr txBox="1"/>
+          <p:nvPr/>
+        </p:nvSpPr>
+        <p:spPr>
+          <a:xfrm>
+            <a:off x="4267200" y="2808596"/>
+            <a:ext cx="1333500" cy="369332"/>
+          </a:xfrm>
+          <a:prstGeom prst="rect">
+            <a:avLst/>
+          </a:prstGeom>
+          <a:noFill/>
+        </p:spPr>
+        <p:txBody>
+          <a:bodyPr wrap="square" rtlCol="0">
+            <a:spAutoFit/>
+          </a:bodyPr>
+          <a:lstStyle/>
+          <a:p>
+            <a:r>
+              <a:rPr lang="en-US" dirty="0" smtClean="0">
+                <a:solidFill>
+                  <a:schemeClr val="bg1"/>
+                </a:solidFill>
+              </a:rPr>
+              <a:t>Weekly</a:t>
+            </a:r>
+            <a:endParaRPr lang="en-US" dirty="0">
+              <a:solidFill>
+                <a:schemeClr val="bg1"/>
+              </a:solidFill>
+            </a:endParaRPr>
+          </a:p>
+        </p:txBody>
+      </p:sp>
+      <p:sp>
+        <p:nvSpPr>
+          <p:cNvPr id="15" name="Rectangle 14"/>
+          <p:cNvSpPr/>
+          <p:nvPr/>
+        </p:nvSpPr>
+        <p:spPr>
+          <a:xfrm>
+            <a:off x="5600700" y="2851666"/>
+            <a:ext cx="342900" cy="304800"/>
+          </a:xfrm>
+          <a:prstGeom prst="rect">
+            <a:avLst/>
+          </a:prstGeom>
+          <a:solidFill>
+            <a:schemeClr val="tx1"/>
+          </a:solidFill>
+          <a:ln>
+            <a:solidFill>
+              <a:schemeClr val="bg1"/>
+            </a:solidFill>
+          </a:ln>
+        </p:spPr>
+        <p:style>
+          <a:lnRef idx="2">
+            <a:schemeClr val="accent1">
+              <a:shade val="50000"/>
+            </a:schemeClr>
+          </a:lnRef>
+          <a:fillRef idx="1">
+            <a:schemeClr val="accent1"/>
+          </a:fillRef>
+          <a:effectRef idx="0">
+            <a:schemeClr val="accent1"/>
+          </a:effectRef>
+          <a:fontRef idx="minor">
+            <a:schemeClr val="lt1"/>
+          </a:fontRef>
+        </p:style>
+        <p:txBody>
+          <a:bodyPr rtlCol="0" anchor="ctr"/>
+          <a:lstStyle/>
+          <a:p>
+            <a:pPr algn="ctr"/>
+            <a:endParaRPr lang="en-US"/>
+          </a:p>
+        </p:txBody>
+      </p:sp>
+      <p:sp>
+        <p:nvSpPr>
+          <p:cNvPr id="17" name="Isosceles Triangle 16"/>
+          <p:cNvSpPr/>
+          <p:nvPr/>
+        </p:nvSpPr>
+        <p:spPr>
+          <a:xfrm rot="10800000">
+            <a:off x="5657850" y="2927866"/>
+            <a:ext cx="228600" cy="152400"/>
+          </a:xfrm>
+          <a:prstGeom prst="triangle">
+            <a:avLst/>
+          </a:prstGeom>
+          <a:solidFill>
+            <a:schemeClr val="tx1"/>
+          </a:solidFill>
+          <a:ln>
+            <a:solidFill>
+              <a:schemeClr val="bg1"/>
+            </a:solidFill>
+          </a:ln>
+        </p:spPr>
+        <p:style>
+          <a:lnRef idx="2">
+            <a:schemeClr val="accent1">
+              <a:shade val="50000"/>
+            </a:schemeClr>
+          </a:lnRef>
+          <a:fillRef idx="1">
+            <a:schemeClr val="accent1"/>
+          </a:fillRef>
+          <a:effectRef idx="0">
+            <a:schemeClr val="accent1"/>
+          </a:effectRef>
+          <a:fontRef idx="minor">
+            <a:schemeClr val="lt1"/>
+          </a:fontRef>
+        </p:style>
+        <p:txBody>
+          <a:bodyPr rtlCol="0" anchor="ctr"/>
+          <a:lstStyle/>
+          <a:p>
+            <a:pPr algn="ctr"/>
+            <a:endParaRPr lang="en-US"/>
+          </a:p>
+        </p:txBody>
+      </p:sp>
+      <p:sp>
+        <p:nvSpPr>
+          <p:cNvPr id="18" name="TextBox 17"/>
+          <p:cNvSpPr txBox="1"/>
+          <p:nvPr/>
+        </p:nvSpPr>
+        <p:spPr>
+          <a:xfrm>
+            <a:off x="3124200" y="3396734"/>
+            <a:ext cx="1638300" cy="369332"/>
+          </a:xfrm>
+          <a:prstGeom prst="rect">
+            <a:avLst/>
+          </a:prstGeom>
+          <a:noFill/>
+        </p:spPr>
+        <p:txBody>
+          <a:bodyPr wrap="square" rtlCol="0">
+            <a:spAutoFit/>
+          </a:bodyPr>
+          <a:lstStyle/>
+          <a:p>
+            <a:r>
+              <a:rPr lang="en-US" dirty="0" smtClean="0">
+                <a:solidFill>
+                  <a:schemeClr val="bg1"/>
+                </a:solidFill>
+              </a:rPr>
+              <a:t>Beginning on:</a:t>
+            </a:r>
+            <a:endParaRPr lang="en-US" dirty="0">
+              <a:solidFill>
+                <a:schemeClr val="bg1"/>
+              </a:solidFill>
+            </a:endParaRPr>
+          </a:p>
+        </p:txBody>
+      </p:sp>
+      <p:sp>
+        <p:nvSpPr>
+          <p:cNvPr id="19" name="Rectangle 18"/>
+          <p:cNvSpPr/>
+          <p:nvPr/>
+        </p:nvSpPr>
+        <p:spPr>
+          <a:xfrm>
+            <a:off x="3200400" y="3733800"/>
+            <a:ext cx="2071315" cy="381000"/>
+          </a:xfrm>
+          <a:prstGeom prst="rect">
+            <a:avLst/>
+          </a:prstGeom>
+          <a:solidFill>
+            <a:schemeClr val="tx1"/>
+          </a:solidFill>
+          <a:ln>
+            <a:solidFill>
+              <a:schemeClr val="bg1"/>
+            </a:solidFill>
+          </a:ln>
+        </p:spPr>
+        <p:style>
+          <a:lnRef idx="2">
+            <a:schemeClr val="accent1">
+              <a:shade val="50000"/>
+            </a:schemeClr>
+          </a:lnRef>
+          <a:fillRef idx="1">
+            <a:schemeClr val="accent1"/>
+          </a:fillRef>
+          <a:effectRef idx="0">
+            <a:schemeClr val="accent1"/>
+          </a:effectRef>
+          <a:fontRef idx="minor">
+            <a:schemeClr val="lt1"/>
+          </a:fontRef>
+        </p:style>
+        <p:txBody>
+          <a:bodyPr rtlCol="0" anchor="ctr"/>
+          <a:lstStyle/>
+          <a:p>
+            <a:pPr algn="ctr"/>
+            <a:endParaRPr lang="en-US"/>
+          </a:p>
+        </p:txBody>
+      </p:sp>
+      <p:sp>
+        <p:nvSpPr>
+          <p:cNvPr id="20" name="TextBox 19"/>
+          <p:cNvSpPr txBox="1"/>
+          <p:nvPr/>
+        </p:nvSpPr>
+        <p:spPr>
+          <a:xfrm>
+            <a:off x="3200400" y="3733800"/>
+            <a:ext cx="2133600" cy="369332"/>
+          </a:xfrm>
+          <a:prstGeom prst="rect">
+            <a:avLst/>
+          </a:prstGeom>
+          <a:noFill/>
+        </p:spPr>
+        <p:txBody>
+          <a:bodyPr wrap="square" rtlCol="0">
+            <a:spAutoFit/>
+          </a:bodyPr>
+          <a:lstStyle/>
+          <a:p>
+            <a:r>
+              <a:rPr lang="en-US" dirty="0" smtClean="0">
+                <a:solidFill>
+                  <a:schemeClr val="bg1"/>
+                </a:solidFill>
+              </a:rPr>
+              <a:t>Wed., Nov. 7, 2012</a:t>
+            </a:r>
+            <a:endParaRPr lang="en-US" dirty="0">
+              <a:solidFill>
+                <a:schemeClr val="bg1"/>
+              </a:solidFill>
+            </a:endParaRPr>
+          </a:p>
+        </p:txBody>
+      </p:sp>
+      <p:sp>
+        <p:nvSpPr>
+          <p:cNvPr id="21" name="Rectangle 20"/>
+          <p:cNvSpPr/>
+          <p:nvPr/>
+        </p:nvSpPr>
+        <p:spPr>
+          <a:xfrm>
+            <a:off x="5381625" y="3733800"/>
+            <a:ext cx="438150" cy="369332"/>
+          </a:xfrm>
+          <a:prstGeom prst="rect">
+            <a:avLst/>
+          </a:prstGeom>
+          <a:solidFill>
+            <a:schemeClr val="tx1">
+              <a:lumMod val="75000"/>
+            </a:schemeClr>
+          </a:solidFill>
+          <a:ln>
+            <a:solidFill>
+              <a:schemeClr val="bg1"/>
+            </a:solidFill>
+          </a:ln>
+        </p:spPr>
+        <p:style>
+          <a:lnRef idx="2">
+            <a:schemeClr val="accent1">
+              <a:shade val="50000"/>
+            </a:schemeClr>
+          </a:lnRef>
+          <a:fillRef idx="1">
+            <a:schemeClr val="accent1"/>
+          </a:fillRef>
+          <a:effectRef idx="0">
+            <a:schemeClr val="accent1"/>
+          </a:effectRef>
+          <a:fontRef idx="minor">
+            <a:schemeClr val="lt1"/>
+          </a:fontRef>
+        </p:style>
+        <p:txBody>
+          <a:bodyPr rtlCol="0" anchor="ctr"/>
+          <a:lstStyle/>
+          <a:p>
+            <a:pPr algn="ctr"/>
+            <a:endParaRPr lang="en-US"/>
+          </a:p>
+        </p:txBody>
+      </p:sp>
+      <p:sp>
+        <p:nvSpPr>
+          <p:cNvPr id="22" name="Rectangle 21"/>
+          <p:cNvSpPr/>
+          <p:nvPr/>
+        </p:nvSpPr>
+        <p:spPr>
+          <a:xfrm>
+            <a:off x="5381625" y="3733800"/>
+            <a:ext cx="438150" cy="64532"/>
+          </a:xfrm>
+          <a:prstGeom prst="rect">
+            <a:avLst/>
+          </a:prstGeom>
+        </p:spPr>
+        <p:style>
+          <a:lnRef idx="2">
+            <a:schemeClr val="accent1">
+              <a:shade val="50000"/>
+            </a:schemeClr>
+          </a:lnRef>
+          <a:fillRef idx="1">
+            <a:schemeClr val="accent1"/>
+          </a:fillRef>
+          <a:effectRef idx="0">
+            <a:schemeClr val="accent1"/>
+          </a:effectRef>
+          <a:fontRef idx="minor">
+            <a:schemeClr val="lt1"/>
+          </a:fontRef>
+        </p:style>
+        <p:txBody>
+          <a:bodyPr rtlCol="0" anchor="ctr"/>
+          <a:lstStyle/>
+          <a:p>
+            <a:pPr algn="ctr"/>
+            <a:endParaRPr lang="en-US"/>
+          </a:p>
+        </p:txBody>
+      </p:sp>
+      <p:cxnSp>
+        <p:nvCxnSpPr>
+          <p:cNvPr id="26" name="Straight Connector 25"/>
+          <p:cNvCxnSpPr>
+            <a:stCxn id="21" idx="1"/>
+            <a:endCxn id="21" idx="3"/>
+          </p:cNvCxnSpPr>
+          <p:nvPr/>
+        </p:nvCxnSpPr>
+        <p:spPr>
+          <a:xfrm>
+            <a:off x="5381625" y="3918466"/>
+            <a:ext cx="438150" cy="0"/>
+          </a:xfrm>
+          <a:prstGeom prst="line">
+            <a:avLst/>
+          </a:prstGeom>
+          <a:ln>
+            <a:solidFill>
+              <a:schemeClr val="bg1"/>
+            </a:solidFill>
+          </a:ln>
+        </p:spPr>
+        <p:style>
+          <a:lnRef idx="1">
+            <a:schemeClr val="accent1"/>
+          </a:lnRef>
+          <a:fillRef idx="0">
+            <a:schemeClr val="accent1"/>
+          </a:fillRef>
+          <a:effectRef idx="0">
+            <a:schemeClr val="accent1"/>
+          </a:effectRef>
+          <a:fontRef idx="minor">
+            <a:schemeClr val="tx1"/>
+          </a:fontRef>
+        </p:style>
+      </p:cxnSp>
+      <p:cxnSp>
+        <p:nvCxnSpPr>
+          <p:cNvPr id="28" name="Straight Connector 27"/>
+          <p:cNvCxnSpPr/>
+          <p:nvPr/>
+        </p:nvCxnSpPr>
+        <p:spPr>
+          <a:xfrm>
+            <a:off x="5381625" y="4038600"/>
+            <a:ext cx="438150" cy="0"/>
+          </a:xfrm>
+          <a:prstGeom prst="line">
+            <a:avLst/>
+          </a:prstGeom>
+          <a:ln>
+            <a:solidFill>
+              <a:schemeClr val="bg1"/>
+            </a:solidFill>
+          </a:ln>
+        </p:spPr>
+        <p:style>
+          <a:lnRef idx="1">
+            <a:schemeClr val="accent1"/>
+          </a:lnRef>
+          <a:fillRef idx="0">
+            <a:schemeClr val="accent1"/>
+          </a:fillRef>
+          <a:effectRef idx="0">
+            <a:schemeClr val="accent1"/>
+          </a:effectRef>
+          <a:fontRef idx="minor">
+            <a:schemeClr val="tx1"/>
+          </a:fontRef>
+        </p:style>
+      </p:cxnSp>
+      <p:cxnSp>
+        <p:nvCxnSpPr>
+          <p:cNvPr id="36" name="Straight Connector 35"/>
+          <p:cNvCxnSpPr/>
+          <p:nvPr/>
+        </p:nvCxnSpPr>
+        <p:spPr>
+          <a:xfrm flipV="1">
+            <a:off x="5486400" y="3810000"/>
+            <a:ext cx="0" cy="293132"/>
+          </a:xfrm>
+          <a:prstGeom prst="line">
+            <a:avLst/>
+          </a:prstGeom>
+          <a:ln>
+            <a:solidFill>
+              <a:schemeClr val="bg1"/>
+            </a:solidFill>
+          </a:ln>
+        </p:spPr>
+        <p:style>
+          <a:lnRef idx="1">
+            <a:schemeClr val="accent1"/>
+          </a:lnRef>
+          <a:fillRef idx="0">
+            <a:schemeClr val="accent1"/>
+          </a:fillRef>
+          <a:effectRef idx="0">
+            <a:schemeClr val="accent1"/>
+          </a:effectRef>
+          <a:fontRef idx="minor">
+            <a:schemeClr val="tx1"/>
+          </a:fontRef>
+        </p:style>
+      </p:cxnSp>
+      <p:cxnSp>
+        <p:nvCxnSpPr>
+          <p:cNvPr id="38" name="Straight Connector 37"/>
+          <p:cNvCxnSpPr/>
+          <p:nvPr/>
+        </p:nvCxnSpPr>
+        <p:spPr>
+          <a:xfrm flipV="1">
+            <a:off x="5715000" y="3810000"/>
+            <a:ext cx="0" cy="293132"/>
+          </a:xfrm>
+          <a:prstGeom prst="line">
+            <a:avLst/>
+          </a:prstGeom>
+          <a:ln>
+            <a:solidFill>
+              <a:schemeClr val="bg1"/>
+            </a:solidFill>
+          </a:ln>
+        </p:spPr>
+        <p:style>
+          <a:lnRef idx="1">
+            <a:schemeClr val="accent1"/>
+          </a:lnRef>
+          <a:fillRef idx="0">
+            <a:schemeClr val="accent1"/>
+          </a:fillRef>
+          <a:effectRef idx="0">
+            <a:schemeClr val="accent1"/>
+          </a:effectRef>
+          <a:fontRef idx="minor">
+            <a:schemeClr val="tx1"/>
+          </a:fontRef>
+        </p:style>
+      </p:cxnSp>
+      <p:sp>
+        <p:nvSpPr>
+          <p:cNvPr id="41" name="Rounded Rectangle 40">
+            <a:hlinkClick r:id="rId3" action="ppaction://hlinksldjump"/>
+          </p:cNvPr>
+          <p:cNvSpPr/>
+          <p:nvPr/>
+        </p:nvSpPr>
+        <p:spPr>
+          <a:xfrm>
+            <a:off x="4648200" y="4572000"/>
+            <a:ext cx="1238250" cy="457200"/>
+          </a:xfrm>
+          <a:prstGeom prst="roundRect">
+            <a:avLst/>
+          </a:prstGeom>
+        </p:spPr>
+        <p:style>
+          <a:lnRef idx="2">
+            <a:schemeClr val="accent1">
+              <a:shade val="50000"/>
+            </a:schemeClr>
+          </a:lnRef>
+          <a:fillRef idx="1">
+            <a:schemeClr val="accent1"/>
+          </a:fillRef>
+          <a:effectRef idx="0">
+            <a:schemeClr val="accent1"/>
+          </a:effectRef>
+          <a:fontRef idx="minor">
+            <a:schemeClr val="lt1"/>
+          </a:fontRef>
+        </p:style>
+        <p:txBody>
+          <a:bodyPr rtlCol="0" anchor="ctr"/>
+          <a:lstStyle/>
+          <a:p>
+            <a:pPr algn="ctr"/>
+            <a:endParaRPr lang="en-US"/>
+          </a:p>
+        </p:txBody>
+      </p:sp>
+      <p:sp>
+        <p:nvSpPr>
+          <p:cNvPr id="42" name="Rounded Rectangle 41">
+            <a:hlinkClick r:id="rId4" action="ppaction://hlinksldjump"/>
+          </p:cNvPr>
+          <p:cNvSpPr/>
+          <p:nvPr/>
+        </p:nvSpPr>
+        <p:spPr>
+          <a:xfrm>
+            <a:off x="3200400" y="4572000"/>
+            <a:ext cx="1238250" cy="457200"/>
+          </a:xfrm>
+          <a:prstGeom prst="roundRect">
+            <a:avLst/>
+          </a:prstGeom>
+        </p:spPr>
+        <p:style>
+          <a:lnRef idx="2">
+            <a:schemeClr val="accent1">
+              <a:shade val="50000"/>
+            </a:schemeClr>
+          </a:lnRef>
+          <a:fillRef idx="1">
+            <a:schemeClr val="accent1"/>
+          </a:fillRef>
+          <a:effectRef idx="0">
+            <a:schemeClr val="accent1"/>
+          </a:effectRef>
+          <a:fontRef idx="minor">
+            <a:schemeClr val="lt1"/>
+          </a:fontRef>
+        </p:style>
+        <p:txBody>
+          <a:bodyPr rtlCol="0" anchor="ctr"/>
+          <a:lstStyle/>
+          <a:p>
+            <a:pPr algn="ctr"/>
+            <a:endParaRPr lang="en-US"/>
+          </a:p>
+        </p:txBody>
+      </p:sp>
+      <p:sp>
+        <p:nvSpPr>
+          <p:cNvPr id="43" name="TextBox 42">
+            <a:hlinkClick r:id="rId4" action="ppaction://hlinksldjump"/>
+          </p:cNvPr>
+          <p:cNvSpPr txBox="1"/>
+          <p:nvPr/>
+        </p:nvSpPr>
+        <p:spPr>
+          <a:xfrm>
+            <a:off x="3200400" y="4615934"/>
+            <a:ext cx="1238250" cy="369332"/>
+          </a:xfrm>
+          <a:prstGeom prst="rect">
+            <a:avLst/>
+          </a:prstGeom>
+          <a:noFill/>
+        </p:spPr>
+        <p:txBody>
+          <a:bodyPr wrap="square" rtlCol="0">
+            <a:spAutoFit/>
+          </a:bodyPr>
+          <a:lstStyle/>
+          <a:p>
+            <a:pPr algn="ctr"/>
+            <a:r>
+              <a:rPr lang="en-US" dirty="0" smtClean="0"/>
+              <a:t>Create Task</a:t>
+            </a:r>
+            <a:endParaRPr lang="en-US" dirty="0"/>
+          </a:p>
+        </p:txBody>
+      </p:sp>
+      <p:sp>
+        <p:nvSpPr>
+          <p:cNvPr id="44" name="TextBox 43">
+            <a:hlinkClick r:id="rId3" action="ppaction://hlinksldjump"/>
+          </p:cNvPr>
+          <p:cNvSpPr txBox="1"/>
+          <p:nvPr/>
+        </p:nvSpPr>
+        <p:spPr>
+          <a:xfrm>
+            <a:off x="4648200" y="4615934"/>
+            <a:ext cx="1238250" cy="369332"/>
+          </a:xfrm>
+          <a:prstGeom prst="rect">
+            <a:avLst/>
+          </a:prstGeom>
+          <a:noFill/>
+        </p:spPr>
+        <p:txBody>
+          <a:bodyPr wrap="square" rtlCol="0">
+            <a:spAutoFit/>
+          </a:bodyPr>
+          <a:lstStyle/>
+          <a:p>
+            <a:pPr algn="ctr"/>
+            <a:r>
+              <a:rPr lang="en-US" dirty="0" smtClean="0"/>
+              <a:t>Cancel</a:t>
+            </a:r>
+            <a:endParaRPr lang="en-US" dirty="0"/>
+          </a:p>
+        </p:txBody>
+      </p:sp>
+      <p:sp>
+        <p:nvSpPr>
+          <p:cNvPr id="45" name="TextBox 44"/>
+          <p:cNvSpPr txBox="1"/>
+          <p:nvPr/>
+        </p:nvSpPr>
+        <p:spPr>
+          <a:xfrm>
+            <a:off x="3733800" y="2237630"/>
+            <a:ext cx="2209800" cy="369332"/>
+          </a:xfrm>
+          <a:prstGeom prst="rect">
+            <a:avLst/>
+          </a:prstGeom>
+          <a:noFill/>
+        </p:spPr>
+        <p:txBody>
+          <a:bodyPr wrap="square" rtlCol="0">
+            <a:spAutoFit/>
+          </a:bodyPr>
+          <a:lstStyle/>
+          <a:p>
+            <a:r>
+              <a:rPr lang="en-US" dirty="0" smtClean="0">
+                <a:solidFill>
+                  <a:schemeClr val="bg1"/>
+                </a:solidFill>
+              </a:rPr>
+              <a:t>Your new task</a:t>
+            </a:r>
+            <a:endParaRPr lang="en-US" dirty="0">
+              <a:solidFill>
+                <a:schemeClr val="bg1"/>
+              </a:solidFill>
+            </a:endParaRPr>
+          </a:p>
+        </p:txBody>
+      </p:sp>
+    </p:spTree>
+    <p:extLst>
+      <p:ext uri="{BB962C8B-B14F-4D97-AF65-F5344CB8AC3E}">
+        <p14:creationId xmlns:p14="http://schemas.microsoft.com/office/powerpoint/2010/main" val="3055456130"/>
+      </p:ext>
+    </p:extLst>
+  </p:cSld>
+  <p:clrMapOvr>
+    <a:masterClrMapping/>
+  </p:clrMapOvr>
+  <mc:AlternateContent xmlns:mc="http://schemas.openxmlformats.org/markup-compatibility/2006" xmlns:p14="http://schemas.microsoft.com/office/powerpoint/2010/main">
+    <mc:Choice Requires="p14">
+      <p:transition spd="slow" p14:dur="2000" advClick="0"/>
+    </mc:Choice>
+    <mc:Fallback xmlns="">
+      <p:transition spd="slow" advClick="0"/>
+    </mc:Fallback>
+  </mc:AlternateContent>
+  <p:timing>
+    <p:tnLst>
+      <p:par>
+        <p:cTn id="1" dur="indefinite" restart="never" nodeType="tmRoot"/>
+      </p:par>
+    </p:tnLst>
+  </p:timing>
+</p:sld>
+</file>
+
+<file path=ppt/slides/slide4.xml><?xml version="1.0" encoding="utf-8"?>
+<p:sld xmlns:a="http://schemas.openxmlformats.org/drawingml/2006/main" xmlns:r="http://schemas.openxmlformats.org/officeDocument/2006/relationships" xmlns:p="http://schemas.openxmlformats.org/presentationml/2006/main">
+  <p:cSld>
+    <p:spTree>
+      <p:nvGrpSpPr>
+        <p:cNvPr id="1" name=""/>
+        <p:cNvGrpSpPr/>
+        <p:nvPr/>
+      </p:nvGrpSpPr>
+      <p:grpSpPr>
+        <a:xfrm>
+          <a:off x="0" y="0"/>
+          <a:ext cx="0" cy="0"/>
+          <a:chOff x="0" y="0"/>
+          <a:chExt cx="0" cy="0"/>
+        </a:xfrm>
+      </p:grpSpPr>
+      <p:sp>
+        <p:nvSpPr>
+          <p:cNvPr id="6" name="Rectangle 5"/>
+          <p:cNvSpPr/>
+          <p:nvPr/>
+        </p:nvSpPr>
+        <p:spPr>
+          <a:xfrm>
+            <a:off x="3124200" y="1447800"/>
+            <a:ext cx="2895600" cy="381000"/>
+          </a:xfrm>
+          <a:prstGeom prst="rect">
+            <a:avLst/>
+          </a:prstGeom>
+        </p:spPr>
+        <p:style>
+          <a:lnRef idx="2">
+            <a:schemeClr val="accent1">
+              <a:shade val="50000"/>
+            </a:schemeClr>
+          </a:lnRef>
+          <a:fillRef idx="1">
+            <a:schemeClr val="accent1"/>
+          </a:fillRef>
+          <a:effectRef idx="0">
+            <a:schemeClr val="accent1"/>
+          </a:effectRef>
+          <a:fontRef idx="minor">
+            <a:schemeClr val="lt1"/>
+          </a:fontRef>
+        </p:style>
+        <p:txBody>
+          <a:bodyPr rtlCol="0" anchor="ctr"/>
+          <a:lstStyle/>
+          <a:p>
+            <a:pPr algn="ctr"/>
+            <a:r>
+              <a:rPr lang="en-US" dirty="0" smtClean="0"/>
+              <a:t>Business</a:t>
+            </a:r>
+            <a:endParaRPr lang="en-US" dirty="0"/>
+          </a:p>
+        </p:txBody>
+      </p:sp>
+      <p:sp>
+        <p:nvSpPr>
+          <p:cNvPr id="4" name="Title 3"/>
+          <p:cNvSpPr>
+            <a:spLocks noGrp="1"/>
+          </p:cNvSpPr>
+          <p:nvPr>
+            <p:ph type="title"/>
+          </p:nvPr>
+        </p:nvSpPr>
+        <p:spPr>
+          <a:xfrm>
+            <a:off x="228600" y="304800"/>
+            <a:ext cx="2286000" cy="1143000"/>
+          </a:xfrm>
+        </p:spPr>
+        <p:txBody>
+          <a:bodyPr/>
+          <a:lstStyle/>
+          <a:p>
+            <a:r>
+              <a:rPr lang="en-US" dirty="0" smtClean="0"/>
+              <a:t>Tasks – Edit Screen</a:t>
+            </a:r>
+            <a:endParaRPr lang="en-US" dirty="0"/>
+          </a:p>
+        </p:txBody>
+      </p:sp>
+      <p:pic>
+        <p:nvPicPr>
+          <p:cNvPr id="2" name="Picture 1"/>
+          <p:cNvPicPr>
+            <a:picLocks noChangeAspect="1"/>
+          </p:cNvPicPr>
+          <p:nvPr/>
+        </p:nvPicPr>
+        <p:blipFill>
+          <a:blip r:embed="rId2">
+            <a:extLst>
+              <a:ext uri="{28A0092B-C50C-407E-A947-70E740481C1C}">
+                <a14:useLocalDpi xmlns:a14="http://schemas.microsoft.com/office/drawing/2010/main" val="0"/>
+              </a:ext>
+            </a:extLst>
+          </a:blip>
+          <a:stretch>
+            <a:fillRect/>
+          </a:stretch>
+        </p:blipFill>
+        <p:spPr>
+          <a:xfrm>
+            <a:off x="3124200" y="1870545"/>
+            <a:ext cx="2895600" cy="612530"/>
+          </a:xfrm>
+          <a:prstGeom prst="rect">
+            <a:avLst/>
+          </a:prstGeom>
+        </p:spPr>
+      </p:pic>
+      <p:pic>
+        <p:nvPicPr>
+          <p:cNvPr id="3" name="Picture 2"/>
+          <p:cNvPicPr>
+            <a:picLocks noChangeAspect="1"/>
+          </p:cNvPicPr>
+          <p:nvPr/>
+        </p:nvPicPr>
+        <p:blipFill>
+          <a:blip r:embed="rId3">
+            <a:extLst>
+              <a:ext uri="{28A0092B-C50C-407E-A947-70E740481C1C}">
+                <a14:useLocalDpi xmlns:a14="http://schemas.microsoft.com/office/drawing/2010/main" val="0"/>
+              </a:ext>
+            </a:extLst>
+          </a:blip>
+          <a:stretch>
+            <a:fillRect/>
+          </a:stretch>
+        </p:blipFill>
+        <p:spPr>
+          <a:xfrm>
+            <a:off x="3124200" y="2506899"/>
+            <a:ext cx="2895600" cy="612531"/>
+          </a:xfrm>
+          <a:prstGeom prst="rect">
+            <a:avLst/>
+          </a:prstGeom>
+        </p:spPr>
+      </p:pic>
+      <p:sp>
+        <p:nvSpPr>
+          <p:cNvPr id="7" name="Rectangle 6">
+            <a:hlinkClick r:id="rId4" action="ppaction://hlinksldjump"/>
+          </p:cNvPr>
+          <p:cNvSpPr/>
+          <p:nvPr/>
+        </p:nvSpPr>
+        <p:spPr>
+          <a:xfrm>
+            <a:off x="3124200" y="1447800"/>
+            <a:ext cx="533400" cy="381000"/>
+          </a:xfrm>
+          <a:prstGeom prst="rect">
+            <a:avLst/>
+          </a:prstGeom>
+          <a:solidFill>
+            <a:srgbClr val="6699FF"/>
+          </a:solidFill>
+        </p:spPr>
+        <p:style>
+          <a:lnRef idx="2">
+            <a:schemeClr val="accent1">
+              <a:shade val="50000"/>
+            </a:schemeClr>
+          </a:lnRef>
+          <a:fillRef idx="1">
+            <a:schemeClr val="accent1"/>
+          </a:fillRef>
+          <a:effectRef idx="0">
+            <a:schemeClr val="accent1"/>
+          </a:effectRef>
+          <a:fontRef idx="minor">
+            <a:schemeClr val="lt1"/>
+          </a:fontRef>
+        </p:style>
+        <p:txBody>
+          <a:bodyPr rtlCol="0" anchor="ctr"/>
+          <a:lstStyle/>
+          <a:p>
+            <a:pPr algn="ctr"/>
+            <a:endParaRPr lang="en-US"/>
+          </a:p>
+        </p:txBody>
+      </p:sp>
+      <p:sp>
+        <p:nvSpPr>
+          <p:cNvPr id="8" name="TextBox 7">
+            <a:hlinkClick r:id="rId4" action="ppaction://hlinksldjump"/>
+          </p:cNvPr>
+          <p:cNvSpPr txBox="1"/>
+          <p:nvPr/>
+        </p:nvSpPr>
+        <p:spPr>
+          <a:xfrm>
+            <a:off x="3124200" y="1484411"/>
+            <a:ext cx="533400" cy="307777"/>
+          </a:xfrm>
+          <a:prstGeom prst="rect">
+            <a:avLst/>
+          </a:prstGeom>
+          <a:noFill/>
+        </p:spPr>
+        <p:txBody>
+          <a:bodyPr wrap="square" rtlCol="0">
+            <a:spAutoFit/>
+          </a:bodyPr>
+          <a:lstStyle/>
+          <a:p>
+            <a:r>
+              <a:rPr lang="en-US" sz="1400" dirty="0" smtClean="0"/>
+              <a:t>Done</a:t>
+            </a:r>
+            <a:endParaRPr lang="en-US" sz="1400" dirty="0"/>
+          </a:p>
+        </p:txBody>
+      </p:sp>
+      <p:pic>
+        <p:nvPicPr>
+          <p:cNvPr id="9" name="Picture 8"/>
+          <p:cNvPicPr>
+            <a:picLocks noChangeAspect="1"/>
+          </p:cNvPicPr>
+          <p:nvPr/>
+        </p:nvPicPr>
+        <p:blipFill>
+          <a:blip r:embed="rId5">
+            <a:extLst>
+              <a:ext uri="{28A0092B-C50C-407E-A947-70E740481C1C}">
+                <a14:useLocalDpi xmlns:a14="http://schemas.microsoft.com/office/drawing/2010/main" val="0"/>
+              </a:ext>
+            </a:extLst>
+          </a:blip>
+          <a:stretch>
+            <a:fillRect/>
+          </a:stretch>
+        </p:blipFill>
+        <p:spPr>
+          <a:xfrm>
+            <a:off x="3124200" y="3197470"/>
+            <a:ext cx="2895600" cy="612530"/>
+          </a:xfrm>
+          <a:prstGeom prst="rect">
+            <a:avLst/>
+          </a:prstGeom>
+        </p:spPr>
+      </p:pic>
+      <p:sp>
+        <p:nvSpPr>
+          <p:cNvPr id="10" name="Oval 9">
+            <a:hlinkClick r:id="rId4" action="ppaction://hlinksldjump"/>
+          </p:cNvPr>
+          <p:cNvSpPr/>
+          <p:nvPr/>
+        </p:nvSpPr>
+        <p:spPr>
+          <a:xfrm>
+            <a:off x="5486400" y="3352800"/>
+            <a:ext cx="381000" cy="381000"/>
+          </a:xfrm>
+          <a:prstGeom prst="ellipse">
+            <a:avLst/>
+          </a:prstGeom>
+          <a:noFill/>
+          <a:ln>
+            <a:noFill/>
+          </a:ln>
+        </p:spPr>
+        <p:style>
+          <a:lnRef idx="2">
+            <a:schemeClr val="accent1">
+              <a:shade val="50000"/>
+            </a:schemeClr>
+          </a:lnRef>
+          <a:fillRef idx="1">
+            <a:schemeClr val="accent1"/>
+          </a:fillRef>
+          <a:effectRef idx="0">
+            <a:schemeClr val="accent1"/>
+          </a:effectRef>
+          <a:fontRef idx="minor">
+            <a:schemeClr val="lt1"/>
+          </a:fontRef>
+        </p:style>
+        <p:txBody>
+          <a:bodyPr rtlCol="0" anchor="ctr"/>
+          <a:lstStyle/>
+          <a:p>
+            <a:pPr algn="ctr"/>
+            <a:endParaRPr lang="en-US"/>
+          </a:p>
+        </p:txBody>
+      </p:sp>
+    </p:spTree>
+    <p:extLst>
+      <p:ext uri="{BB962C8B-B14F-4D97-AF65-F5344CB8AC3E}">
+        <p14:creationId xmlns:p14="http://schemas.microsoft.com/office/powerpoint/2010/main" val="4175139230"/>
+      </p:ext>
+    </p:extLst>
+  </p:cSld>
+  <p:clrMapOvr>
+    <a:masterClrMapping/>
+  </p:clrMapOvr>
+  <mc:AlternateContent xmlns:mc="http://schemas.openxmlformats.org/markup-compatibility/2006" xmlns:p14="http://schemas.microsoft.com/office/powerpoint/2010/main">
+    <mc:Choice Requires="p14">
+      <p:transition spd="slow" p14:dur="2000" advClick="0"/>
+    </mc:Choice>
+    <mc:Fallback xmlns="">
+      <p:transition spd="slow" advClick="0"/>
+    </mc:Fallback>
+  </mc:AlternateContent>
+  <p:timing>
+    <p:tnLst>
+      <p:par>
+        <p:cTn id="1" dur="indefinite" restart="never" nodeType="tmRoot"/>
+      </p:par>
+    </p:tnLst>
+  </p:timing>
+</p:sld>
+</file>
+
+<file path=ppt/slides/slide5.xml><?xml version="1.0" encoding="utf-8"?>
+<p:sld xmlns:a="http://schemas.openxmlformats.org/drawingml/2006/main" xmlns:r="http://schemas.openxmlformats.org/officeDocument/2006/relationships" xmlns:p="http://schemas.openxmlformats.org/presentationml/2006/main">
+  <p:cSld>
+    <p:spTree>
+      <p:nvGrpSpPr>
+        <p:cNvPr id="1" name=""/>
+        <p:cNvGrpSpPr/>
+        <p:nvPr/>
+      </p:nvGrpSpPr>
+      <p:grpSpPr>
+        <a:xfrm>
+          <a:off x="0" y="0"/>
+          <a:ext cx="0" cy="0"/>
+          <a:chOff x="0" y="0"/>
+          <a:chExt cx="0" cy="0"/>
+        </a:xfrm>
+      </p:grpSpPr>
+      <p:sp>
+        <p:nvSpPr>
+          <p:cNvPr id="8" name="Rectangle 7"/>
+          <p:cNvSpPr/>
+          <p:nvPr/>
+        </p:nvSpPr>
+        <p:spPr>
+          <a:xfrm>
+            <a:off x="3124200" y="1447800"/>
+            <a:ext cx="2895600" cy="381000"/>
+          </a:xfrm>
+          <a:prstGeom prst="rect">
+            <a:avLst/>
+          </a:prstGeom>
+        </p:spPr>
+        <p:style>
+          <a:lnRef idx="2">
+            <a:schemeClr val="accent1">
+              <a:shade val="50000"/>
+            </a:schemeClr>
+          </a:lnRef>
+          <a:fillRef idx="1">
+            <a:schemeClr val="accent1"/>
+          </a:fillRef>
+          <a:effectRef idx="0">
+            <a:schemeClr val="accent1"/>
+          </a:effectRef>
+          <a:fontRef idx="minor">
+            <a:schemeClr val="lt1"/>
+          </a:fontRef>
+        </p:style>
+        <p:txBody>
+          <a:bodyPr rtlCol="0" anchor="ctr"/>
+          <a:lstStyle/>
+          <a:p>
+            <a:pPr algn="ctr"/>
+            <a:r>
+              <a:rPr lang="en-US" dirty="0" smtClean="0"/>
+              <a:t>Business</a:t>
+            </a:r>
+            <a:endParaRPr lang="en-US" dirty="0"/>
+          </a:p>
+        </p:txBody>
+      </p:sp>
+      <p:sp>
+        <p:nvSpPr>
+          <p:cNvPr id="4" name="Title 3"/>
+          <p:cNvSpPr>
+            <a:spLocks noGrp="1"/>
+          </p:cNvSpPr>
+          <p:nvPr>
+            <p:ph type="title"/>
+          </p:nvPr>
+        </p:nvSpPr>
+        <p:spPr>
+          <a:xfrm>
+            <a:off x="228600" y="304800"/>
+            <a:ext cx="2286000" cy="1143000"/>
+          </a:xfrm>
+        </p:spPr>
+        <p:txBody>
+          <a:bodyPr/>
+          <a:lstStyle/>
+          <a:p>
+            <a:r>
+              <a:rPr lang="en-US" dirty="0" smtClean="0"/>
+              <a:t>Tasks – New Task Added</a:t>
+            </a:r>
+            <a:endParaRPr lang="en-US" dirty="0"/>
+          </a:p>
+        </p:txBody>
+      </p:sp>
+      <p:pic>
+        <p:nvPicPr>
+          <p:cNvPr id="5" name="Picture 4">
+            <a:hlinkClick r:id="rId2" action="ppaction://hlinksldjump"/>
+          </p:cNvPr>
+          <p:cNvPicPr>
+            <a:picLocks noChangeAspect="1"/>
+          </p:cNvPicPr>
+          <p:nvPr/>
+        </p:nvPicPr>
+        <p:blipFill>
+          <a:blip r:embed="rId3">
+            <a:extLst>
+              <a:ext uri="{28A0092B-C50C-407E-A947-70E740481C1C}">
+                <a14:useLocalDpi xmlns:a14="http://schemas.microsoft.com/office/drawing/2010/main" val="0"/>
+              </a:ext>
+            </a:extLst>
+          </a:blip>
+          <a:stretch>
+            <a:fillRect/>
+          </a:stretch>
+        </p:blipFill>
+        <p:spPr>
+          <a:xfrm>
+            <a:off x="3124200" y="1447801"/>
+            <a:ext cx="533400" cy="381000"/>
+          </a:xfrm>
+          <a:prstGeom prst="rect">
+            <a:avLst/>
+          </a:prstGeom>
+        </p:spPr>
+      </p:pic>
+      <p:pic>
+        <p:nvPicPr>
+          <p:cNvPr id="6" name="Picture 5"/>
+          <p:cNvPicPr>
+            <a:picLocks noChangeAspect="1"/>
+          </p:cNvPicPr>
+          <p:nvPr/>
+        </p:nvPicPr>
+        <p:blipFill>
+          <a:blip r:embed="rId4">
+            <a:extLst>
+              <a:ext uri="{28A0092B-C50C-407E-A947-70E740481C1C}">
+                <a14:useLocalDpi xmlns:a14="http://schemas.microsoft.com/office/drawing/2010/main" val="0"/>
+              </a:ext>
+            </a:extLst>
+          </a:blip>
+          <a:stretch>
+            <a:fillRect/>
+          </a:stretch>
+        </p:blipFill>
+        <p:spPr>
+          <a:xfrm>
+            <a:off x="3124200" y="1864582"/>
+            <a:ext cx="2895600" cy="612531"/>
+          </a:xfrm>
+          <a:prstGeom prst="rect">
+            <a:avLst/>
+          </a:prstGeom>
+        </p:spPr>
+      </p:pic>
+      <p:pic>
+        <p:nvPicPr>
+          <p:cNvPr id="7" name="Picture 6"/>
+          <p:cNvPicPr>
+            <a:picLocks noChangeAspect="1"/>
+          </p:cNvPicPr>
+          <p:nvPr/>
+        </p:nvPicPr>
+        <p:blipFill>
+          <a:blip r:embed="rId5">
+            <a:extLst>
+              <a:ext uri="{28A0092B-C50C-407E-A947-70E740481C1C}">
+                <a14:useLocalDpi xmlns:a14="http://schemas.microsoft.com/office/drawing/2010/main" val="0"/>
+              </a:ext>
+            </a:extLst>
+          </a:blip>
+          <a:stretch>
+            <a:fillRect/>
+          </a:stretch>
+        </p:blipFill>
+        <p:spPr>
+          <a:xfrm>
+            <a:off x="3124201" y="2511669"/>
+            <a:ext cx="2895600" cy="612531"/>
+          </a:xfrm>
+          <a:prstGeom prst="rect">
+            <a:avLst/>
+          </a:prstGeom>
+        </p:spPr>
+      </p:pic>
+      <p:pic>
+        <p:nvPicPr>
+          <p:cNvPr id="2" name="Picture 1"/>
+          <p:cNvPicPr>
+            <a:picLocks noChangeAspect="1"/>
+          </p:cNvPicPr>
+          <p:nvPr/>
+        </p:nvPicPr>
+        <p:blipFill>
+          <a:blip r:embed="rId6">
+            <a:extLst>
+              <a:ext uri="{28A0092B-C50C-407E-A947-70E740481C1C}">
+                <a14:useLocalDpi xmlns:a14="http://schemas.microsoft.com/office/drawing/2010/main" val="0"/>
+              </a:ext>
+            </a:extLst>
+          </a:blip>
+          <a:stretch>
+            <a:fillRect/>
+          </a:stretch>
+        </p:blipFill>
+        <p:spPr>
+          <a:xfrm>
+            <a:off x="3124201" y="3166594"/>
+            <a:ext cx="2895599" cy="612531"/>
+          </a:xfrm>
+          <a:prstGeom prst="rect">
+            <a:avLst/>
+          </a:prstGeom>
+        </p:spPr>
+      </p:pic>
+      <p:pic>
+        <p:nvPicPr>
+          <p:cNvPr id="9" name="Picture 8">
+            <a:hlinkClick r:id="rId7" action="ppaction://hlinksldjump"/>
+          </p:cNvPr>
+          <p:cNvPicPr>
+            <a:picLocks noChangeAspect="1"/>
+          </p:cNvPicPr>
+          <p:nvPr/>
+        </p:nvPicPr>
+        <p:blipFill>
+          <a:blip r:embed="rId8">
+            <a:extLst>
+              <a:ext uri="{28A0092B-C50C-407E-A947-70E740481C1C}">
+                <a14:useLocalDpi xmlns:a14="http://schemas.microsoft.com/office/drawing/2010/main" val="0"/>
+              </a:ext>
+            </a:extLst>
+          </a:blip>
+          <a:stretch>
+            <a:fillRect/>
+          </a:stretch>
+        </p:blipFill>
+        <p:spPr>
+          <a:xfrm>
+            <a:off x="5435198" y="1447801"/>
+            <a:ext cx="571530" cy="381021"/>
+          </a:xfrm>
+          <a:prstGeom prst="rect">
+            <a:avLst/>
+          </a:prstGeom>
+        </p:spPr>
+      </p:pic>
+    </p:spTree>
+    <p:extLst>
+      <p:ext uri="{BB962C8B-B14F-4D97-AF65-F5344CB8AC3E}">
+        <p14:creationId xmlns:p14="http://schemas.microsoft.com/office/powerpoint/2010/main" val="2641152408"/>
+      </p:ext>
+    </p:extLst>
+  </p:cSld>
+  <p:clrMapOvr>
+    <a:masterClrMapping/>
+  </p:clrMapOvr>
+  <mc:AlternateContent xmlns:mc="http://schemas.openxmlformats.org/markup-compatibility/2006" xmlns:p14="http://schemas.microsoft.com/office/powerpoint/2010/main">
+    <mc:Choice Requires="p14">
+      <p:transition spd="slow" p14:dur="2000" advClick="0"/>
+    </mc:Choice>
+    <mc:Fallback xmlns="">
+      <p:transition spd="slow" advClick="0"/>
+    </mc:Fallback>
+  </mc:AlternateContent>
+  <p:timing>
+    <p:tnLst>
+      <p:par>
+        <p:cTn id="1" dur="indefinite" restart="never" nodeType="tmRoot"/>
+      </p:par>
+    </p:tnLst>
+  </p:timing>
+</p:sld>
+</file>
+
+<file path=ppt/slides/slide6.xml><?xml version="1.0" encoding="utf-8"?>
+<p:sld xmlns:a="http://schemas.openxmlformats.org/drawingml/2006/main" xmlns:r="http://schemas.openxmlformats.org/officeDocument/2006/relationships" xmlns:p="http://schemas.openxmlformats.org/presentationml/2006/main">
+  <p:cSld>
+    <p:spTree>
+      <p:nvGrpSpPr>
+        <p:cNvPr id="1" name=""/>
+        <p:cNvGrpSpPr/>
+        <p:nvPr/>
+      </p:nvGrpSpPr>
+      <p:grpSpPr>
+        <a:xfrm>
+          <a:off x="0" y="0"/>
+          <a:ext cx="0" cy="0"/>
+          <a:chOff x="0" y="0"/>
+          <a:chExt cx="0" cy="0"/>
+        </a:xfrm>
+      </p:grpSpPr>
+      <p:sp>
+        <p:nvSpPr>
+          <p:cNvPr id="4" name="Title 3"/>
+          <p:cNvSpPr>
+            <a:spLocks noGrp="1"/>
+          </p:cNvSpPr>
+          <p:nvPr>
+            <p:ph type="title"/>
+          </p:nvPr>
+        </p:nvSpPr>
+        <p:spPr>
+          <a:xfrm>
+            <a:off x="228600" y="304800"/>
+            <a:ext cx="2286000" cy="1143000"/>
+          </a:xfrm>
+        </p:spPr>
+        <p:txBody>
+          <a:bodyPr/>
+          <a:lstStyle/>
+          <a:p>
+            <a:r>
+              <a:rPr lang="en-US" dirty="0" smtClean="0"/>
+              <a:t>Folder Screen</a:t>
+            </a:r>
+            <a:endParaRPr lang="en-US" dirty="0"/>
+          </a:p>
+        </p:txBody>
+      </p:sp>
+      <p:sp>
+        <p:nvSpPr>
+          <p:cNvPr id="3" name="Rectangle 2"/>
+          <p:cNvSpPr/>
+          <p:nvPr/>
+        </p:nvSpPr>
+        <p:spPr>
+          <a:xfrm>
+            <a:off x="3124200" y="1447800"/>
+            <a:ext cx="2895600" cy="381000"/>
+          </a:xfrm>
+          <a:prstGeom prst="rect">
+            <a:avLst/>
+          </a:prstGeom>
+        </p:spPr>
+        <p:style>
+          <a:lnRef idx="2">
+            <a:schemeClr val="accent1">
+              <a:shade val="50000"/>
+            </a:schemeClr>
+          </a:lnRef>
+          <a:fillRef idx="1">
+            <a:schemeClr val="accent1"/>
+          </a:fillRef>
+          <a:effectRef idx="0">
+            <a:schemeClr val="accent1"/>
+          </a:effectRef>
+          <a:fontRef idx="minor">
+            <a:schemeClr val="lt1"/>
+          </a:fontRef>
+        </p:style>
+        <p:txBody>
+          <a:bodyPr rtlCol="0" anchor="ctr"/>
+          <a:lstStyle/>
+          <a:p>
+            <a:pPr algn="ctr"/>
+            <a:r>
+              <a:rPr lang="en-US" dirty="0" smtClean="0"/>
+              <a:t>Folders</a:t>
+            </a:r>
+            <a:endParaRPr lang="en-US" dirty="0"/>
+          </a:p>
+        </p:txBody>
+      </p:sp>
+      <p:pic>
+        <p:nvPicPr>
+          <p:cNvPr id="5" name="Picture 4"/>
+          <p:cNvPicPr>
+            <a:picLocks noChangeAspect="1"/>
+          </p:cNvPicPr>
+          <p:nvPr/>
+        </p:nvPicPr>
+        <p:blipFill>
+          <a:blip r:embed="rId2">
+            <a:extLst>
+              <a:ext uri="{28A0092B-C50C-407E-A947-70E740481C1C}">
+                <a14:useLocalDpi xmlns:a14="http://schemas.microsoft.com/office/drawing/2010/main" val="0"/>
+              </a:ext>
+            </a:extLst>
+          </a:blip>
+          <a:stretch>
+            <a:fillRect/>
+          </a:stretch>
+        </p:blipFill>
+        <p:spPr>
+          <a:xfrm>
+            <a:off x="3124200" y="1447801"/>
+            <a:ext cx="533400" cy="381000"/>
+          </a:xfrm>
+          <a:prstGeom prst="rect">
+            <a:avLst/>
+          </a:prstGeom>
+        </p:spPr>
+      </p:pic>
+      <p:pic>
+        <p:nvPicPr>
+          <p:cNvPr id="29" name="Picture 28">
+            <a:hlinkClick r:id="rId3" action="ppaction://hlinksldjump"/>
+          </p:cNvPr>
+          <p:cNvPicPr>
+            <a:picLocks noChangeAspect="1"/>
+          </p:cNvPicPr>
+          <p:nvPr/>
+        </p:nvPicPr>
+        <p:blipFill>
+          <a:blip r:embed="rId4">
+            <a:extLst>
+              <a:ext uri="{28A0092B-C50C-407E-A947-70E740481C1C}">
+                <a14:useLocalDpi xmlns:a14="http://schemas.microsoft.com/office/drawing/2010/main" val="0"/>
+              </a:ext>
+            </a:extLst>
+          </a:blip>
+          <a:stretch>
+            <a:fillRect/>
+          </a:stretch>
+        </p:blipFill>
+        <p:spPr>
+          <a:xfrm>
+            <a:off x="5435198" y="1447801"/>
+            <a:ext cx="571530" cy="381021"/>
+          </a:xfrm>
+          <a:prstGeom prst="rect">
+            <a:avLst/>
+          </a:prstGeom>
+        </p:spPr>
+      </p:pic>
+      <p:pic>
+        <p:nvPicPr>
+          <p:cNvPr id="2" name="Picture 1">
+            <a:hlinkClick r:id="rId5" action="ppaction://hlinksldjump"/>
+          </p:cNvPr>
+          <p:cNvPicPr>
+            <a:picLocks noChangeAspect="1"/>
+          </p:cNvPicPr>
+          <p:nvPr/>
+        </p:nvPicPr>
+        <p:blipFill>
+          <a:blip r:embed="rId6">
+            <a:extLst>
+              <a:ext uri="{28A0092B-C50C-407E-A947-70E740481C1C}">
+                <a14:useLocalDpi xmlns:a14="http://schemas.microsoft.com/office/drawing/2010/main" val="0"/>
+              </a:ext>
+            </a:extLst>
+          </a:blip>
+          <a:stretch>
+            <a:fillRect/>
+          </a:stretch>
+        </p:blipFill>
+        <p:spPr>
+          <a:xfrm>
+            <a:off x="3124200" y="1904999"/>
+            <a:ext cx="2895600" cy="612531"/>
+          </a:xfrm>
+          <a:prstGeom prst="rect">
+            <a:avLst/>
+          </a:prstGeom>
+        </p:spPr>
+      </p:pic>
+    </p:spTree>
+    <p:extLst>
+      <p:ext uri="{BB962C8B-B14F-4D97-AF65-F5344CB8AC3E}">
+        <p14:creationId xmlns:p14="http://schemas.microsoft.com/office/powerpoint/2010/main" val="3372788799"/>
+      </p:ext>
+    </p:extLst>
+  </p:cSld>
+  <p:clrMapOvr>
+    <a:masterClrMapping/>
+  </p:clrMapOvr>
+  <mc:AlternateContent xmlns:mc="http://schemas.openxmlformats.org/markup-compatibility/2006" xmlns:p14="http://schemas.microsoft.com/office/powerpoint/2010/main">
+    <mc:Choice Requires="p14">
+      <p:transition spd="slow" p14:dur="2000" advClick="0"/>
+    </mc:Choice>
+    <mc:Fallback xmlns="">
+      <p:transition spd="slow" advClick="0"/>
+    </mc:Fallback>
+  </mc:AlternateContent>
+  <p:timing>
+    <p:tnLst>
+      <p:par>
+        <p:cTn id="1" dur="indefinite" restart="never" nodeType="tmRoot"/>
+      </p:par>
+    </p:tnLst>
+  </p:timing>
+</p:sld>
+</file>
+
+<file path=ppt/slides/slide7.xml><?xml version="1.0" encoding="utf-8"?>
+<p:sld xmlns:a="http://schemas.openxmlformats.org/drawingml/2006/main" xmlns:r="http://schemas.openxmlformats.org/officeDocument/2006/relationships" xmlns:p="http://schemas.openxmlformats.org/presentationml/2006/main">
+  <p:cSld>
+    <p:spTree>
+      <p:nvGrpSpPr>
+        <p:cNvPr id="1" name=""/>
+        <p:cNvGrpSpPr/>
+        <p:nvPr/>
+      </p:nvGrpSpPr>
+      <p:grpSpPr>
+        <a:xfrm>
+          <a:off x="0" y="0"/>
+          <a:ext cx="0" cy="0"/>
+          <a:chOff x="0" y="0"/>
+          <a:chExt cx="0" cy="0"/>
+        </a:xfrm>
+      </p:grpSpPr>
+      <p:sp>
+        <p:nvSpPr>
+          <p:cNvPr id="4" name="Title 3"/>
+          <p:cNvSpPr>
+            <a:spLocks noGrp="1"/>
+          </p:cNvSpPr>
+          <p:nvPr>
+            <p:ph type="title"/>
+          </p:nvPr>
+        </p:nvSpPr>
+        <p:spPr>
+          <a:xfrm>
+            <a:off x="228600" y="304800"/>
+            <a:ext cx="2286000" cy="1143000"/>
+          </a:xfrm>
+        </p:spPr>
+        <p:txBody>
+          <a:bodyPr/>
+          <a:lstStyle/>
+          <a:p>
+            <a:r>
+              <a:rPr lang="en-US" dirty="0" smtClean="0"/>
+              <a:t>Folders – New Folder</a:t>
+            </a:r>
+            <a:endParaRPr lang="en-US" dirty="0"/>
+          </a:p>
+        </p:txBody>
+      </p:sp>
+      <p:sp>
+        <p:nvSpPr>
+          <p:cNvPr id="3" name="Rectangle 2"/>
+          <p:cNvSpPr/>
+          <p:nvPr/>
+        </p:nvSpPr>
+        <p:spPr>
+          <a:xfrm>
+            <a:off x="3124200" y="1447800"/>
+            <a:ext cx="2895600" cy="381000"/>
+          </a:xfrm>
+          <a:prstGeom prst="rect">
+            <a:avLst/>
+          </a:prstGeom>
+        </p:spPr>
+        <p:style>
+          <a:lnRef idx="2">
+            <a:schemeClr val="accent1">
+              <a:shade val="50000"/>
+            </a:schemeClr>
+          </a:lnRef>
+          <a:fillRef idx="1">
+            <a:schemeClr val="accent1"/>
+          </a:fillRef>
+          <a:effectRef idx="0">
+            <a:schemeClr val="accent1"/>
+          </a:effectRef>
+          <a:fontRef idx="minor">
+            <a:schemeClr val="lt1"/>
+          </a:fontRef>
+        </p:style>
+        <p:txBody>
+          <a:bodyPr rtlCol="0" anchor="ctr"/>
+          <a:lstStyle/>
+          <a:p>
+            <a:pPr algn="ctr"/>
+            <a:r>
+              <a:rPr lang="en-US" dirty="0" smtClean="0"/>
+              <a:t>Folders</a:t>
+            </a:r>
+            <a:endParaRPr lang="en-US" dirty="0"/>
+          </a:p>
+        </p:txBody>
+      </p:sp>
+      <p:pic>
+        <p:nvPicPr>
+          <p:cNvPr id="5" name="Picture 4"/>
+          <p:cNvPicPr>
+            <a:picLocks noChangeAspect="1"/>
+          </p:cNvPicPr>
+          <p:nvPr/>
+        </p:nvPicPr>
+        <p:blipFill>
+          <a:blip r:embed="rId2">
+            <a:extLst>
+              <a:ext uri="{28A0092B-C50C-407E-A947-70E740481C1C}">
+                <a14:useLocalDpi xmlns:a14="http://schemas.microsoft.com/office/drawing/2010/main" val="0"/>
+              </a:ext>
+            </a:extLst>
+          </a:blip>
+          <a:stretch>
+            <a:fillRect/>
+          </a:stretch>
+        </p:blipFill>
+        <p:spPr>
+          <a:xfrm>
+            <a:off x="3124200" y="1447801"/>
+            <a:ext cx="533400" cy="381000"/>
+          </a:xfrm>
+          <a:prstGeom prst="rect">
+            <a:avLst/>
+          </a:prstGeom>
+        </p:spPr>
+      </p:pic>
+      <p:pic>
+        <p:nvPicPr>
+          <p:cNvPr id="29" name="Picture 28">
+            <a:hlinkClick r:id="rId3" action="ppaction://hlinksldjump"/>
+          </p:cNvPr>
+          <p:cNvPicPr>
+            <a:picLocks noChangeAspect="1"/>
+          </p:cNvPicPr>
+          <p:nvPr/>
+        </p:nvPicPr>
+        <p:blipFill>
+          <a:blip r:embed="rId4">
+            <a:extLst>
+              <a:ext uri="{28A0092B-C50C-407E-A947-70E740481C1C}">
+                <a14:useLocalDpi xmlns:a14="http://schemas.microsoft.com/office/drawing/2010/main" val="0"/>
+              </a:ext>
+            </a:extLst>
+          </a:blip>
+          <a:stretch>
+            <a:fillRect/>
+          </a:stretch>
+        </p:blipFill>
+        <p:spPr>
+          <a:xfrm>
+            <a:off x="5435198" y="1447801"/>
+            <a:ext cx="571530" cy="381021"/>
+          </a:xfrm>
+          <a:prstGeom prst="rect">
+            <a:avLst/>
+          </a:prstGeom>
+        </p:spPr>
+      </p:pic>
+      <p:pic>
+        <p:nvPicPr>
+          <p:cNvPr id="2" name="Picture 1">
+            <a:hlinkClick r:id="rId5" action="ppaction://hlinksldjump"/>
+          </p:cNvPr>
+          <p:cNvPicPr>
+            <a:picLocks noChangeAspect="1"/>
+          </p:cNvPicPr>
+          <p:nvPr/>
+        </p:nvPicPr>
+        <p:blipFill>
+          <a:blip r:embed="rId6">
+            <a:extLst>
+              <a:ext uri="{28A0092B-C50C-407E-A947-70E740481C1C}">
+                <a14:useLocalDpi xmlns:a14="http://schemas.microsoft.com/office/drawing/2010/main" val="0"/>
+              </a:ext>
+            </a:extLst>
+          </a:blip>
+          <a:stretch>
+            <a:fillRect/>
+          </a:stretch>
+        </p:blipFill>
+        <p:spPr>
+          <a:xfrm>
+            <a:off x="3124200" y="1904999"/>
+            <a:ext cx="2895600" cy="612531"/>
+          </a:xfrm>
+          <a:prstGeom prst="rect">
+            <a:avLst/>
+          </a:prstGeom>
+        </p:spPr>
+      </p:pic>
+      <p:pic>
+        <p:nvPicPr>
+          <p:cNvPr id="6" name="Picture 5"/>
+          <p:cNvPicPr>
+            <a:picLocks noChangeAspect="1"/>
+          </p:cNvPicPr>
+          <p:nvPr/>
+        </p:nvPicPr>
+        <p:blipFill>
+          <a:blip r:embed="rId7">
+            <a:extLst>
+              <a:ext uri="{28A0092B-C50C-407E-A947-70E740481C1C}">
+                <a14:useLocalDpi xmlns:a14="http://schemas.microsoft.com/office/drawing/2010/main" val="0"/>
+              </a:ext>
+            </a:extLst>
+          </a:blip>
+          <a:stretch>
+            <a:fillRect/>
+          </a:stretch>
+        </p:blipFill>
+        <p:spPr>
+          <a:xfrm>
+            <a:off x="3124200" y="2532770"/>
+            <a:ext cx="2882528" cy="609766"/>
+          </a:xfrm>
+          <a:prstGeom prst="rect">
+            <a:avLst/>
+          </a:prstGeom>
+        </p:spPr>
+      </p:pic>
+    </p:spTree>
+    <p:extLst>
+      <p:ext uri="{BB962C8B-B14F-4D97-AF65-F5344CB8AC3E}">
+        <p14:creationId xmlns:p14="http://schemas.microsoft.com/office/powerpoint/2010/main" val="2035528927"/>
+      </p:ext>
+    </p:extLst>
+  </p:cSld>
+  <p:clrMapOvr>
+    <a:masterClrMapping/>
+  </p:clrMapOvr>
+  <mc:AlternateContent xmlns:mc="http://schemas.openxmlformats.org/markup-compatibility/2006" xmlns:p14="http://schemas.microsoft.com/office/powerpoint/2010/main">
+    <mc:Choice Requires="p14">
+      <p:transition spd="slow" p14:dur="2000" advClick="0"/>
+    </mc:Choice>
+    <mc:Fallback xmlns="">
+      <p:transition spd="slow" advClick="0"/>
+    </mc:Fallback>
+  </mc:AlternateContent>
+  <p:timing>
+    <p:tnLst>
+      <p:par>
+        <p:cTn id="1" dur="indefinite" restart="never" nodeType="tmRoot"/>
+      </p:par>
+    </p:tnLst>
+  </p:timing>
+</p:sld>
+</file>
+
+<file path=ppt/slides/slide8.xml><?xml version="1.0" encoding="utf-8"?>
+<p:sld xmlns:a="http://schemas.openxmlformats.org/drawingml/2006/main" xmlns:r="http://schemas.openxmlformats.org/officeDocument/2006/relationships" xmlns:p="http://schemas.openxmlformats.org/presentationml/2006/main">
+  <p:cSld>
+    <p:spTree>
+      <p:nvGrpSpPr>
+        <p:cNvPr id="1" name=""/>
+        <p:cNvGrpSpPr/>
+        <p:nvPr/>
+      </p:nvGrpSpPr>
+      <p:grpSpPr>
+        <a:xfrm>
+          <a:off x="0" y="0"/>
+          <a:ext cx="0" cy="0"/>
+          <a:chOff x="0" y="0"/>
+          <a:chExt cx="0" cy="0"/>
+        </a:xfrm>
+      </p:grpSpPr>
+      <p:sp>
+        <p:nvSpPr>
+          <p:cNvPr id="4" name="Title 3"/>
+          <p:cNvSpPr>
+            <a:spLocks noGrp="1"/>
+          </p:cNvSpPr>
+          <p:nvPr>
+            <p:ph type="title"/>
+          </p:nvPr>
+        </p:nvSpPr>
+        <p:spPr>
+          <a:xfrm>
+            <a:off x="228600" y="304800"/>
+            <a:ext cx="2286000" cy="1143000"/>
+          </a:xfrm>
+        </p:spPr>
+        <p:txBody>
+          <a:bodyPr/>
+          <a:lstStyle/>
+          <a:p>
+            <a:r>
+              <a:rPr lang="en-US" dirty="0" smtClean="0"/>
+              <a:t>New Folder Screen</a:t>
+            </a:r>
+            <a:endParaRPr lang="en-US" dirty="0"/>
+          </a:p>
+        </p:txBody>
+      </p:sp>
+      <p:sp>
+        <p:nvSpPr>
+          <p:cNvPr id="3" name="Rectangle 2"/>
+          <p:cNvSpPr/>
+          <p:nvPr/>
+        </p:nvSpPr>
+        <p:spPr>
+          <a:xfrm>
+            <a:off x="3124200" y="1447800"/>
+            <a:ext cx="2895600" cy="381000"/>
+          </a:xfrm>
+          <a:prstGeom prst="rect">
+            <a:avLst/>
+          </a:prstGeom>
+        </p:spPr>
+        <p:style>
+          <a:lnRef idx="2">
+            <a:schemeClr val="accent1">
+              <a:shade val="50000"/>
+            </a:schemeClr>
+          </a:lnRef>
+          <a:fillRef idx="1">
+            <a:schemeClr val="accent1"/>
+          </a:fillRef>
+          <a:effectRef idx="0">
+            <a:schemeClr val="accent1"/>
+          </a:effectRef>
+          <a:fontRef idx="minor">
+            <a:schemeClr val="lt1"/>
+          </a:fontRef>
+        </p:style>
+        <p:txBody>
+          <a:bodyPr rtlCol="0" anchor="ctr"/>
+          <a:lstStyle/>
+          <a:p>
+            <a:pPr algn="ctr"/>
+            <a:r>
+              <a:rPr lang="en-US" dirty="0" smtClean="0"/>
+              <a:t>Folders</a:t>
+            </a:r>
+            <a:endParaRPr lang="en-US" dirty="0"/>
+          </a:p>
+        </p:txBody>
+      </p:sp>
+      <p:pic>
+        <p:nvPicPr>
+          <p:cNvPr id="5" name="Picture 4"/>
+          <p:cNvPicPr>
+            <a:picLocks noChangeAspect="1"/>
+          </p:cNvPicPr>
+          <p:nvPr/>
+        </p:nvPicPr>
+        <p:blipFill>
+          <a:blip r:embed="rId2">
+            <a:extLst>
+              <a:ext uri="{28A0092B-C50C-407E-A947-70E740481C1C}">
+                <a14:useLocalDpi xmlns:a14="http://schemas.microsoft.com/office/drawing/2010/main" val="0"/>
+              </a:ext>
+            </a:extLst>
+          </a:blip>
+          <a:stretch>
+            <a:fillRect/>
+          </a:stretch>
+        </p:blipFill>
+        <p:spPr>
+          <a:xfrm>
+            <a:off x="3124200" y="1447801"/>
+            <a:ext cx="533400" cy="381000"/>
+          </a:xfrm>
+          <a:prstGeom prst="rect">
+            <a:avLst/>
+          </a:prstGeom>
+        </p:spPr>
+      </p:pic>
+      <p:sp>
+        <p:nvSpPr>
+          <p:cNvPr id="6" name="Rectangle 5"/>
+          <p:cNvSpPr/>
+          <p:nvPr/>
+        </p:nvSpPr>
+        <p:spPr>
+          <a:xfrm>
+            <a:off x="3124200" y="1828801"/>
+            <a:ext cx="2882348" cy="3809999"/>
+          </a:xfrm>
+          <a:prstGeom prst="rect">
+            <a:avLst/>
+          </a:prstGeom>
+          <a:solidFill>
+            <a:schemeClr val="tx1"/>
+          </a:solidFill>
+        </p:spPr>
+        <p:style>
+          <a:lnRef idx="2">
+            <a:schemeClr val="accent1">
+              <a:shade val="50000"/>
+            </a:schemeClr>
+          </a:lnRef>
+          <a:fillRef idx="1">
+            <a:schemeClr val="accent1"/>
+          </a:fillRef>
+          <a:effectRef idx="0">
+            <a:schemeClr val="accent1"/>
+          </a:effectRef>
+          <a:fontRef idx="minor">
+            <a:schemeClr val="lt1"/>
+          </a:fontRef>
+        </p:style>
+        <p:txBody>
+          <a:bodyPr rtlCol="0" anchor="ctr"/>
+          <a:lstStyle/>
+          <a:p>
+            <a:pPr algn="ctr"/>
+            <a:endParaRPr lang="en-US" dirty="0"/>
+          </a:p>
+        </p:txBody>
+      </p:sp>
+      <p:sp>
+        <p:nvSpPr>
+          <p:cNvPr id="7" name="Rectangle 6"/>
+          <p:cNvSpPr/>
+          <p:nvPr/>
+        </p:nvSpPr>
+        <p:spPr>
+          <a:xfrm>
+            <a:off x="3200400" y="2699266"/>
+            <a:ext cx="2743200" cy="304800"/>
+          </a:xfrm>
+          <a:prstGeom prst="rect">
+            <a:avLst/>
+          </a:prstGeom>
+          <a:solidFill>
+            <a:schemeClr val="tx1"/>
+          </a:solidFill>
+          <a:ln>
+            <a:solidFill>
+              <a:schemeClr val="bg1"/>
+            </a:solidFill>
+          </a:ln>
+        </p:spPr>
+        <p:style>
+          <a:lnRef idx="2">
+            <a:schemeClr val="accent1">
+              <a:shade val="50000"/>
+            </a:schemeClr>
+          </a:lnRef>
+          <a:fillRef idx="1">
+            <a:schemeClr val="accent1"/>
+          </a:fillRef>
+          <a:effectRef idx="0">
+            <a:schemeClr val="accent1"/>
+          </a:effectRef>
+          <a:fontRef idx="minor">
+            <a:schemeClr val="lt1"/>
+          </a:fontRef>
+        </p:style>
+        <p:txBody>
+          <a:bodyPr rtlCol="0" anchor="ctr"/>
+          <a:lstStyle/>
+          <a:p>
+            <a:pPr algn="ctr"/>
+            <a:endParaRPr lang="en-US"/>
+          </a:p>
+        </p:txBody>
+      </p:sp>
+      <p:sp>
+        <p:nvSpPr>
+          <p:cNvPr id="8" name="TextBox 7"/>
+          <p:cNvSpPr txBox="1"/>
+          <p:nvPr/>
+        </p:nvSpPr>
+        <p:spPr>
+          <a:xfrm>
+            <a:off x="3543300" y="1856631"/>
+            <a:ext cx="2057400" cy="380999"/>
+          </a:xfrm>
+          <a:prstGeom prst="rect">
+            <a:avLst/>
+          </a:prstGeom>
+          <a:noFill/>
+        </p:spPr>
+        <p:txBody>
+          <a:bodyPr wrap="square" rtlCol="0">
+            <a:spAutoFit/>
+          </a:bodyPr>
+          <a:lstStyle/>
+          <a:p>
+            <a:pPr algn="ctr"/>
+            <a:r>
+              <a:rPr lang="en-US" dirty="0" smtClean="0">
+                <a:solidFill>
+                  <a:schemeClr val="bg1"/>
+                </a:solidFill>
+              </a:rPr>
+              <a:t>New Folder</a:t>
+            </a:r>
+            <a:endParaRPr lang="en-US" dirty="0">
+              <a:solidFill>
+                <a:schemeClr val="bg1"/>
+              </a:solidFill>
+            </a:endParaRPr>
+          </a:p>
+        </p:txBody>
+      </p:sp>
+      <p:sp>
+        <p:nvSpPr>
+          <p:cNvPr id="9" name="TextBox 8"/>
+          <p:cNvSpPr txBox="1"/>
+          <p:nvPr/>
+        </p:nvSpPr>
+        <p:spPr>
+          <a:xfrm>
+            <a:off x="3124200" y="2237630"/>
+            <a:ext cx="1371600" cy="369332"/>
+          </a:xfrm>
+          <a:prstGeom prst="rect">
+            <a:avLst/>
+          </a:prstGeom>
+          <a:noFill/>
+        </p:spPr>
+        <p:txBody>
+          <a:bodyPr wrap="square" rtlCol="0">
+            <a:spAutoFit/>
+          </a:bodyPr>
+          <a:lstStyle/>
+          <a:p>
+            <a:r>
+              <a:rPr lang="en-US" dirty="0" smtClean="0">
+                <a:solidFill>
+                  <a:schemeClr val="bg1"/>
+                </a:solidFill>
+              </a:rPr>
+              <a:t>Folder Name:</a:t>
+            </a:r>
+            <a:endParaRPr lang="en-US" dirty="0">
+              <a:solidFill>
+                <a:schemeClr val="bg1"/>
+              </a:solidFill>
+            </a:endParaRPr>
+          </a:p>
+        </p:txBody>
+      </p:sp>
+      <p:sp>
+        <p:nvSpPr>
+          <p:cNvPr id="24" name="Rounded Rectangle 23">
+            <a:hlinkClick r:id="rId3" action="ppaction://hlinksldjump"/>
+          </p:cNvPr>
+          <p:cNvSpPr/>
+          <p:nvPr/>
+        </p:nvSpPr>
+        <p:spPr>
+          <a:xfrm>
+            <a:off x="4648200" y="4572000"/>
+            <a:ext cx="1238250" cy="457200"/>
+          </a:xfrm>
+          <a:prstGeom prst="roundRect">
+            <a:avLst/>
+          </a:prstGeom>
+        </p:spPr>
+        <p:style>
+          <a:lnRef idx="2">
+            <a:schemeClr val="accent1">
+              <a:shade val="50000"/>
+            </a:schemeClr>
+          </a:lnRef>
+          <a:fillRef idx="1">
+            <a:schemeClr val="accent1"/>
+          </a:fillRef>
+          <a:effectRef idx="0">
+            <a:schemeClr val="accent1"/>
+          </a:effectRef>
+          <a:fontRef idx="minor">
+            <a:schemeClr val="lt1"/>
+          </a:fontRef>
+        </p:style>
+        <p:txBody>
+          <a:bodyPr rtlCol="0" anchor="ctr"/>
+          <a:lstStyle/>
+          <a:p>
+            <a:pPr algn="ctr"/>
+            <a:endParaRPr lang="en-US"/>
+          </a:p>
+        </p:txBody>
+      </p:sp>
+      <p:sp>
+        <p:nvSpPr>
+          <p:cNvPr id="25" name="Rounded Rectangle 24">
+            <a:hlinkClick r:id="rId4" action="ppaction://hlinksldjump"/>
+          </p:cNvPr>
+          <p:cNvSpPr/>
+          <p:nvPr/>
+        </p:nvSpPr>
+        <p:spPr>
+          <a:xfrm>
+            <a:off x="3200400" y="4572000"/>
+            <a:ext cx="1238250" cy="457200"/>
+          </a:xfrm>
+          <a:prstGeom prst="roundRect">
+            <a:avLst/>
+          </a:prstGeom>
+        </p:spPr>
+        <p:style>
+          <a:lnRef idx="2">
+            <a:schemeClr val="accent1">
+              <a:shade val="50000"/>
+            </a:schemeClr>
+          </a:lnRef>
+          <a:fillRef idx="1">
+            <a:schemeClr val="accent1"/>
+          </a:fillRef>
+          <a:effectRef idx="0">
+            <a:schemeClr val="accent1"/>
+          </a:effectRef>
+          <a:fontRef idx="minor">
+            <a:schemeClr val="lt1"/>
+          </a:fontRef>
+        </p:style>
+        <p:txBody>
+          <a:bodyPr rtlCol="0" anchor="ctr"/>
+          <a:lstStyle/>
+          <a:p>
+            <a:pPr algn="ctr"/>
+            <a:endParaRPr lang="en-US"/>
+          </a:p>
+        </p:txBody>
+      </p:sp>
+      <p:sp>
+        <p:nvSpPr>
+          <p:cNvPr id="26" name="TextBox 25">
+            <a:hlinkClick r:id="rId4" action="ppaction://hlinksldjump"/>
+          </p:cNvPr>
+          <p:cNvSpPr txBox="1"/>
+          <p:nvPr/>
+        </p:nvSpPr>
+        <p:spPr>
+          <a:xfrm>
+            <a:off x="3200400" y="4615934"/>
+            <a:ext cx="1238250" cy="338554"/>
+          </a:xfrm>
+          <a:prstGeom prst="rect">
+            <a:avLst/>
+          </a:prstGeom>
+          <a:noFill/>
+        </p:spPr>
+        <p:txBody>
+          <a:bodyPr wrap="square" rtlCol="0">
+            <a:spAutoFit/>
+          </a:bodyPr>
+          <a:lstStyle/>
+          <a:p>
+            <a:pPr algn="ctr"/>
+            <a:r>
+              <a:rPr lang="en-US" sz="1600" dirty="0" smtClean="0"/>
+              <a:t>Create Folder</a:t>
+            </a:r>
+            <a:endParaRPr lang="en-US" sz="1600" dirty="0"/>
+          </a:p>
+        </p:txBody>
+      </p:sp>
+      <p:sp>
+        <p:nvSpPr>
+          <p:cNvPr id="27" name="TextBox 26">
+            <a:hlinkClick r:id="rId3" action="ppaction://hlinksldjump"/>
+          </p:cNvPr>
+          <p:cNvSpPr txBox="1"/>
+          <p:nvPr/>
+        </p:nvSpPr>
+        <p:spPr>
+          <a:xfrm>
+            <a:off x="4648200" y="4615934"/>
+            <a:ext cx="1238250" cy="338554"/>
+          </a:xfrm>
+          <a:prstGeom prst="rect">
+            <a:avLst/>
+          </a:prstGeom>
+          <a:noFill/>
+        </p:spPr>
+        <p:txBody>
+          <a:bodyPr wrap="square" rtlCol="0">
+            <a:spAutoFit/>
+          </a:bodyPr>
+          <a:lstStyle/>
+          <a:p>
+            <a:pPr algn="ctr"/>
+            <a:r>
+              <a:rPr lang="en-US" sz="1600" dirty="0" smtClean="0"/>
+              <a:t>Cancel</a:t>
+            </a:r>
+            <a:endParaRPr lang="en-US" dirty="0"/>
+          </a:p>
+        </p:txBody>
+      </p:sp>
+      <p:sp>
+        <p:nvSpPr>
+          <p:cNvPr id="28" name="TextBox 27"/>
+          <p:cNvSpPr txBox="1"/>
+          <p:nvPr/>
+        </p:nvSpPr>
+        <p:spPr>
+          <a:xfrm>
+            <a:off x="3200400" y="2665214"/>
+            <a:ext cx="1600200" cy="369332"/>
+          </a:xfrm>
+          <a:prstGeom prst="rect">
+            <a:avLst/>
+          </a:prstGeom>
+          <a:noFill/>
+        </p:spPr>
+        <p:txBody>
+          <a:bodyPr wrap="square" rtlCol="0">
+            <a:spAutoFit/>
+          </a:bodyPr>
+          <a:lstStyle/>
+          <a:p>
+            <a:r>
+              <a:rPr lang="en-US" dirty="0" smtClean="0">
+                <a:solidFill>
+                  <a:schemeClr val="bg1"/>
+                </a:solidFill>
+              </a:rPr>
+              <a:t>New Folder</a:t>
+            </a:r>
+            <a:endParaRPr lang="en-US" dirty="0">
+              <a:solidFill>
+                <a:schemeClr val="bg1"/>
+              </a:solidFill>
+            </a:endParaRPr>
+          </a:p>
+        </p:txBody>
+      </p:sp>
+    </p:spTree>
+    <p:extLst>
+      <p:ext uri="{BB962C8B-B14F-4D97-AF65-F5344CB8AC3E}">
+        <p14:creationId xmlns:p14="http://schemas.microsoft.com/office/powerpoint/2010/main" val="1063689609"/>
+      </p:ext>
+    </p:extLst>
+  </p:cSld>
+  <p:clrMapOvr>
+    <a:masterClrMapping/>
+  </p:clrMapOvr>
+  <mc:AlternateContent xmlns:mc="http://schemas.openxmlformats.org/markup-compatibility/2006" xmlns:p14="http://schemas.microsoft.com/office/powerpoint/2010/main">
+    <mc:Choice Requires="p14">
+      <p:transition spd="slow" p14:dur="2000" advClick="0"/>
+    </mc:Choice>
+    <mc:Fallback xmlns="">
+      <p:transition spd="slow" advClick="0"/>
+    </mc:Fallback>
+  </mc:AlternateContent>
   <p:timing>
     <p:tnLst>
       <p:par>
@@ -3981,4 +8285,289 @@
   <a:objectDefaults/>
   <a:extraClrSchemeLst/>
 </a:theme>
+</file>
+
+<file path=ppt/theme/theme2.xml><?xml version="1.0" encoding="utf-8"?>
+<a:theme xmlns:a="http://schemas.openxmlformats.org/drawingml/2006/main" name="Office Theme">
+  <a:themeElements>
+    <a:clrScheme name="Office">
+      <a:dk1>
+        <a:sysClr val="windowText" lastClr="000000"/>
+      </a:dk1>
+      <a:lt1>
+        <a:sysClr val="window" lastClr="FFFFFF"/>
+      </a:lt1>
+      <a:dk2>
+        <a:srgbClr val="1F497D"/>
+      </a:dk2>
+      <a:lt2>
+        <a:srgbClr val="EEECE1"/>
+      </a:lt2>
+      <a:accent1>
+        <a:srgbClr val="4F81BD"/>
+      </a:accent1>
+      <a:accent2>
+        <a:srgbClr val="C0504D"/>
+      </a:accent2>
+      <a:accent3>
+        <a:srgbClr val="9BBB59"/>
+      </a:accent3>
+      <a:accent4>
+        <a:srgbClr val="8064A2"/>
+      </a:accent4>
+      <a:accent5>
+        <a:srgbClr val="4BACC6"/>
+      </a:accent5>
+      <a:accent6>
+        <a:srgbClr val="F79646"/>
+      </a:accent6>
+      <a:hlink>
+        <a:srgbClr val="0000FF"/>
+      </a:hlink>
+      <a:folHlink>
+        <a:srgbClr val="800080"/>
+      </a:folHlink>
+    </a:clrScheme>
+    <a:fontScheme name="Office">
+      <a:majorFont>
+        <a:latin typeface="Calibri"/>
+        <a:ea typeface=""/>
+        <a:cs typeface=""/>
+        <a:font script="Jpan" typeface="ＭＳ Ｐゴシック"/>
+        <a:font script="Hang" typeface="맑은 고딕"/>
+        <a:font script="Hans" typeface="宋体"/>
+        <a:font script="Hant" typeface="新細明體"/>
+        <a:font script="Arab" typeface="Times New Roman"/>
+        <a:font script="Hebr" typeface="Times New Roman"/>
+        <a:font script="Thai" typeface="Angsana New"/>
+        <a:font script="Ethi" typeface="Nyala"/>
+        <a:font script="Beng" typeface="Vrinda"/>
+        <a:font script="Gujr" typeface="Shruti"/>
+        <a:font script="Khmr" typeface="MoolBoran"/>
+        <a:font script="Knda" typeface="Tunga"/>
+        <a:font script="Guru" typeface="Raavi"/>
+        <a:font script="Cans" typeface="Euphemia"/>
+        <a:font script="Cher" typeface="Plantagenet Cherokee"/>
+        <a:font script="Yiii" typeface="Microsoft Yi Baiti"/>
+        <a:font script="Tibt" typeface="Microsoft Himalaya"/>
+        <a:font script="Thaa" typeface="MV Boli"/>
+        <a:font script="Deva" typeface="Mangal"/>
+        <a:font script="Telu" typeface="Gautami"/>
+        <a:font script="Taml" typeface="Latha"/>
+        <a:font script="Syrc" typeface="Estrangelo Edessa"/>
+        <a:font script="Orya" typeface="Kalinga"/>
+        <a:font script="Mlym" typeface="Kartika"/>
+        <a:font script="Laoo" typeface="DokChampa"/>
+        <a:font script="Sinh" typeface="Iskoola Pota"/>
+        <a:font script="Mong" typeface="Mongolian Baiti"/>
+        <a:font script="Viet" typeface="Times New Roman"/>
+        <a:font script="Uigh" typeface="Microsoft Uighur"/>
+        <a:font script="Geor" typeface="Sylfaen"/>
+      </a:majorFont>
+      <a:minorFont>
+        <a:latin typeface="Calibri"/>
+        <a:ea typeface=""/>
+        <a:cs typeface=""/>
+        <a:font script="Jpan" typeface="ＭＳ Ｐゴシック"/>
+        <a:font script="Hang" typeface="맑은 고딕"/>
+        <a:font script="Hans" typeface="宋体"/>
+        <a:font script="Hant" typeface="新細明體"/>
+        <a:font script="Arab" typeface="Arial"/>
+        <a:font script="Hebr" typeface="Arial"/>
+        <a:font script="Thai" typeface="Cordia New"/>
+        <a:font script="Ethi" typeface="Nyala"/>
+        <a:font script="Beng" typeface="Vrinda"/>
+        <a:font script="Gujr" typeface="Shruti"/>
+        <a:font script="Khmr" typeface="DaunPenh"/>
+        <a:font script="Knda" typeface="Tunga"/>
+        <a:font script="Guru" typeface="Raavi"/>
+        <a:font script="Cans" typeface="Euphemia"/>
+        <a:font script="Cher" typeface="Plantagenet Cherokee"/>
+        <a:font script="Yiii" typeface="Microsoft Yi Baiti"/>
+        <a:font script="Tibt" typeface="Microsoft Himalaya"/>
+        <a:font script="Thaa" typeface="MV Boli"/>
+        <a:font script="Deva" typeface="Mangal"/>
+        <a:font script="Telu" typeface="Gautami"/>
+        <a:font script="Taml" typeface="Latha"/>
+        <a:font script="Syrc" typeface="Estrangelo Edessa"/>
+        <a:font script="Orya" typeface="Kalinga"/>
+        <a:font script="Mlym" typeface="Kartika"/>
+        <a:font script="Laoo" typeface="DokChampa"/>
+        <a:font script="Sinh" typeface="Iskoola Pota"/>
+        <a:font script="Mong" typeface="Mongolian Baiti"/>
+        <a:font script="Viet" typeface="Arial"/>
+        <a:font script="Uigh" typeface="Microsoft Uighur"/>
+        <a:font script="Geor" typeface="Sylfaen"/>
+      </a:minorFont>
+    </a:fontScheme>
+    <a:fmtScheme name="Office">
+      <a:fillStyleLst>
+        <a:solidFill>
+          <a:schemeClr val="phClr"/>
+        </a:solidFill>
+        <a:gradFill rotWithShape="1">
+          <a:gsLst>
+            <a:gs pos="0">
+              <a:schemeClr val="phClr">
+                <a:tint val="50000"/>
+                <a:satMod val="300000"/>
+              </a:schemeClr>
+            </a:gs>
+            <a:gs pos="35000">
+              <a:schemeClr val="phClr">
+                <a:tint val="37000"/>
+                <a:satMod val="300000"/>
+              </a:schemeClr>
+            </a:gs>
+            <a:gs pos="100000">
+              <a:schemeClr val="phClr">
+                <a:tint val="15000"/>
+                <a:satMod val="350000"/>
+              </a:schemeClr>
+            </a:gs>
+          </a:gsLst>
+          <a:lin ang="16200000" scaled="1"/>
+        </a:gradFill>
+        <a:gradFill rotWithShape="1">
+          <a:gsLst>
+            <a:gs pos="0">
+              <a:schemeClr val="phClr">
+                <a:shade val="51000"/>
+                <a:satMod val="130000"/>
+              </a:schemeClr>
+            </a:gs>
+            <a:gs pos="80000">
+              <a:schemeClr val="phClr">
+                <a:shade val="93000"/>
+                <a:satMod val="130000"/>
+              </a:schemeClr>
+            </a:gs>
+            <a:gs pos="100000">
+              <a:schemeClr val="phClr">
+                <a:shade val="94000"/>
+                <a:satMod val="135000"/>
+              </a:schemeClr>
+            </a:gs>
+          </a:gsLst>
+          <a:lin ang="16200000" scaled="0"/>
+        </a:gradFill>
+      </a:fillStyleLst>
+      <a:lnStyleLst>
+        <a:ln w="9525" cap="flat" cmpd="sng" algn="ctr">
+          <a:solidFill>
+            <a:schemeClr val="phClr">
+              <a:shade val="95000"/>
+              <a:satMod val="105000"/>
+            </a:schemeClr>
+          </a:solidFill>
+          <a:prstDash val="solid"/>
+        </a:ln>
+        <a:ln w="25400" cap="flat" cmpd="sng" algn="ctr">
+          <a:solidFill>
+            <a:schemeClr val="phClr"/>
+          </a:solidFill>
+          <a:prstDash val="solid"/>
+        </a:ln>
+        <a:ln w="38100" cap="flat" cmpd="sng" algn="ctr">
+          <a:solidFill>
+            <a:schemeClr val="phClr"/>
+          </a:solidFill>
+          <a:prstDash val="solid"/>
+        </a:ln>
+      </a:lnStyleLst>
+      <a:effectStyleLst>
+        <a:effectStyle>
+          <a:effectLst>
+            <a:outerShdw blurRad="40000" dist="20000" dir="5400000" rotWithShape="0">
+              <a:srgbClr val="000000">
+                <a:alpha val="38000"/>
+              </a:srgbClr>
+            </a:outerShdw>
+          </a:effectLst>
+        </a:effectStyle>
+        <a:effectStyle>
+          <a:effectLst>
+            <a:outerShdw blurRad="40000" dist="23000" dir="5400000" rotWithShape="0">
+              <a:srgbClr val="000000">
+                <a:alpha val="35000"/>
+              </a:srgbClr>
+            </a:outerShdw>
+          </a:effectLst>
+        </a:effectStyle>
+        <a:effectStyle>
+          <a:effectLst>
+            <a:outerShdw blurRad="40000" dist="23000" dir="5400000" rotWithShape="0">
+              <a:srgbClr val="000000">
+                <a:alpha val="35000"/>
+              </a:srgbClr>
+            </a:outerShdw>
+          </a:effectLst>
+          <a:scene3d>
+            <a:camera prst="orthographicFront">
+              <a:rot lat="0" lon="0" rev="0"/>
+            </a:camera>
+            <a:lightRig rig="threePt" dir="t">
+              <a:rot lat="0" lon="0" rev="1200000"/>
+            </a:lightRig>
+          </a:scene3d>
+          <a:sp3d>
+            <a:bevelT w="63500" h="25400"/>
+          </a:sp3d>
+        </a:effectStyle>
+      </a:effectStyleLst>
+      <a:bgFillStyleLst>
+        <a:solidFill>
+          <a:schemeClr val="phClr"/>
+        </a:solidFill>
+        <a:gradFill rotWithShape="1">
+          <a:gsLst>
+            <a:gs pos="0">
+              <a:schemeClr val="phClr">
+                <a:tint val="40000"/>
+                <a:satMod val="350000"/>
+              </a:schemeClr>
+            </a:gs>
+            <a:gs pos="40000">
+              <a:schemeClr val="phClr">
+                <a:tint val="45000"/>
+                <a:shade val="99000"/>
+                <a:satMod val="350000"/>
+              </a:schemeClr>
+            </a:gs>
+            <a:gs pos="100000">
+              <a:schemeClr val="phClr">
+                <a:shade val="20000"/>
+                <a:satMod val="255000"/>
+              </a:schemeClr>
+            </a:gs>
+          </a:gsLst>
+          <a:path path="circle">
+            <a:fillToRect l="50000" t="-80000" r="50000" b="180000"/>
+          </a:path>
+        </a:gradFill>
+        <a:gradFill rotWithShape="1">
+          <a:gsLst>
+            <a:gs pos="0">
+              <a:schemeClr val="phClr">
+                <a:tint val="80000"/>
+                <a:satMod val="300000"/>
+              </a:schemeClr>
+            </a:gs>
+            <a:gs pos="100000">
+              <a:schemeClr val="phClr">
+                <a:shade val="30000"/>
+                <a:satMod val="200000"/>
+              </a:schemeClr>
+            </a:gs>
+          </a:gsLst>
+          <a:path path="circle">
+            <a:fillToRect l="50000" t="50000" r="50000" b="50000"/>
+          </a:path>
+        </a:gradFill>
+      </a:bgFillStyleLst>
+    </a:fmtScheme>
+  </a:themeElements>
+  <a:objectDefaults/>
+  <a:extraClrSchemeLst/>
+</a:theme>
 </file>